--- a/PPT/PM处理和骨骼动画处理.pptx
+++ b/PPT/PM处理和骨骼动画处理.pptx
@@ -6899,7 +6899,7 @@
         </p:blipFill>
         <p:spPr>
           <a:xfrm>
-            <a:off x="5576570" y="998538"/>
+            <a:off x="5603240" y="998538"/>
             <a:ext cx="748030" cy="1689735"/>
           </a:xfrm>
           <a:prstGeom prst="rect">

--- a/PPT/PM处理和骨骼动画处理.pptx
+++ b/PPT/PM处理和骨骼动画处理.pptx
@@ -3384,49 +3384,6 @@
       </p:grpSpPr>
       <p:sp>
         <p:nvSpPr>
-          <p:cNvPr id="8" name="矩形 7"/>
-          <p:cNvSpPr/>
-          <p:nvPr/>
-        </p:nvSpPr>
-        <p:spPr>
-          <a:xfrm>
-            <a:off x="409575" y="3482975"/>
-            <a:ext cx="11222990" cy="2516505"/>
-          </a:xfrm>
-          <a:prstGeom prst="rect">
-            <a:avLst/>
-          </a:prstGeom>
-          <a:solidFill>
-            <a:schemeClr val="accent1">
-              <a:lumMod val="20000"/>
-              <a:lumOff val="80000"/>
-            </a:schemeClr>
-          </a:solidFill>
-        </p:spPr>
-        <p:style>
-          <a:lnRef idx="1">
-            <a:schemeClr val="accent3"/>
-          </a:lnRef>
-          <a:fillRef idx="2">
-            <a:schemeClr val="accent3"/>
-          </a:fillRef>
-          <a:effectRef idx="1">
-            <a:schemeClr val="accent3"/>
-          </a:effectRef>
-          <a:fontRef idx="minor">
-            <a:schemeClr val="dk1"/>
-          </a:fontRef>
-        </p:style>
-        <p:txBody>
-          <a:bodyPr rtlCol="0" anchor="ctr"/>
-          <a:p>
-            <a:pPr algn="ctr"/>
-            <a:endParaRPr lang="zh-CN" altLang="en-US"/>
-          </a:p>
-        </p:txBody>
-      </p:sp>
-      <p:sp>
-        <p:nvSpPr>
           <p:cNvPr id="4" name="矩形 3"/>
           <p:cNvSpPr/>
           <p:nvPr/>
@@ -3983,14 +3940,14 @@
       </p:sp>
       <p:sp>
         <p:nvSpPr>
-          <p:cNvPr id="39" name="燕尾形 38"/>
+          <p:cNvPr id="7" name="燕尾形 6"/>
           <p:cNvSpPr/>
           <p:nvPr/>
         </p:nvSpPr>
         <p:spPr>
-          <a:xfrm flipH="1">
-            <a:off x="6250305" y="4989830"/>
-            <a:ext cx="4986655" cy="383540"/>
+          <a:xfrm>
+            <a:off x="933450" y="647700"/>
+            <a:ext cx="3306445" cy="239395"/>
           </a:xfrm>
           <a:prstGeom prst="chevron">
             <a:avLst/>
@@ -4020,40 +3977,36 @@
               <a:rPr lang="en-US" altLang="zh-CN">
                 <a:sym typeface="+mn-ea"/>
               </a:rPr>
-              <a:t>Multiresolution T</a:t>
+              <a:t>M</a:t>
             </a:r>
             <a:r>
               <a:rPr lang="zh-CN" altLang="en-US">
                 <a:sym typeface="+mn-ea"/>
               </a:rPr>
-              <a:t>exture </a:t>
+              <a:t>esh </a:t>
             </a:r>
             <a:r>
               <a:rPr lang="en-US" altLang="zh-CN">
                 <a:sym typeface="+mn-ea"/>
               </a:rPr>
-              <a:t>M</a:t>
-            </a:r>
-            <a:r>
-              <a:rPr lang="zh-CN" altLang="en-US">
-                <a:sym typeface="+mn-ea"/>
-              </a:rPr>
-              <a:t>apping</a:t>
-            </a:r>
-            <a:endParaRPr lang="zh-CN" altLang="en-US"/>
-          </a:p>
-        </p:txBody>
-      </p:sp>
-      <p:sp>
-        <p:nvSpPr>
-          <p:cNvPr id="42" name="文本框 41"/>
+              <a:t>Merging</a:t>
+            </a:r>
+            <a:endParaRPr lang="en-US" altLang="zh-CN">
+              <a:sym typeface="+mn-ea"/>
+            </a:endParaRPr>
+          </a:p>
+        </p:txBody>
+      </p:sp>
+      <p:sp>
+        <p:nvSpPr>
+          <p:cNvPr id="44" name="文本框 43"/>
           <p:cNvSpPr txBox="1"/>
           <p:nvPr/>
         </p:nvSpPr>
         <p:spPr>
           <a:xfrm>
-            <a:off x="7913370" y="4618355"/>
-            <a:ext cx="601980" cy="245110"/>
+            <a:off x="2496185" y="2018665"/>
+            <a:ext cx="802005" cy="275590"/>
           </a:xfrm>
           <a:prstGeom prst="rect">
             <a:avLst/>
@@ -4066,25 +4019,54 @@
           </a:bodyPr>
           <a:p>
             <a:r>
-              <a:rPr lang="en-US" sz="1000"/>
-              <a:t>level2</a:t>
-            </a:r>
-            <a:endParaRPr lang="en-US" sz="1000"/>
-          </a:p>
-        </p:txBody>
-      </p:sp>
-      <p:sp>
-        <p:nvSpPr>
-          <p:cNvPr id="7" name="燕尾形 6"/>
+              <a:rPr lang="en-US" altLang="zh-CN" sz="1200" b="1"/>
+              <a:t>PM1: 340</a:t>
+            </a:r>
+            <a:endParaRPr lang="en-US" altLang="zh-CN" sz="1200" b="1"/>
+          </a:p>
+        </p:txBody>
+      </p:sp>
+      <p:sp>
+        <p:nvSpPr>
+          <p:cNvPr id="46" name="文本框 45"/>
+          <p:cNvSpPr txBox="1"/>
+          <p:nvPr/>
+        </p:nvSpPr>
+        <p:spPr>
+          <a:xfrm>
+            <a:off x="3342005" y="1998345"/>
+            <a:ext cx="1461770" cy="275590"/>
+          </a:xfrm>
+          <a:prstGeom prst="rect">
+            <a:avLst/>
+          </a:prstGeom>
+          <a:noFill/>
+        </p:spPr>
+        <p:txBody>
+          <a:bodyPr wrap="square" rtlCol="0">
+            <a:spAutoFit/>
+          </a:bodyPr>
+          <a:p>
+            <a:r>
+              <a:rPr lang="en-US" altLang="zh-CN" sz="1200" b="1"/>
+              <a:t> Base Mesh: 140</a:t>
+            </a:r>
+            <a:endParaRPr lang="en-US" altLang="zh-CN" sz="1200" b="1"/>
+          </a:p>
+        </p:txBody>
+      </p:sp>
+      <p:sp>
+        <p:nvSpPr>
+          <p:cNvPr id="73" name="下弧形箭头 72"/>
           <p:cNvSpPr/>
           <p:nvPr/>
         </p:nvSpPr>
         <p:spPr>
           <a:xfrm>
-            <a:off x="933450" y="647700"/>
-            <a:ext cx="3306445" cy="239395"/>
-          </a:xfrm>
-          <a:prstGeom prst="chevron">
+            <a:off x="826770" y="2313305"/>
+            <a:ext cx="1052830" cy="250825"/>
+          </a:xfrm>
+          <a:prstGeom prst="curvedUpArrow">
             <a:avLst/>
           </a:prstGeom>
         </p:spPr>
@@ -4108,98 +4090,24 @@
           <a:bodyPr rtlCol="0" anchor="ctr"/>
           <a:p>
             <a:pPr algn="ctr"/>
-            <a:r>
-              <a:rPr lang="en-US" altLang="zh-CN">
-                <a:sym typeface="+mn-ea"/>
-              </a:rPr>
-              <a:t>M</a:t>
-            </a:r>
-            <a:r>
-              <a:rPr lang="zh-CN" altLang="en-US">
-                <a:sym typeface="+mn-ea"/>
-              </a:rPr>
-              <a:t>esh </a:t>
-            </a:r>
-            <a:r>
-              <a:rPr lang="en-US" altLang="zh-CN">
-                <a:sym typeface="+mn-ea"/>
-              </a:rPr>
-              <a:t>Merging</a:t>
-            </a:r>
-            <a:endParaRPr lang="en-US" altLang="zh-CN">
-              <a:sym typeface="+mn-ea"/>
+            <a:endParaRPr lang="zh-CN" altLang="en-US">
+              <a:solidFill>
+                <a:schemeClr val="tx1"/>
+              </a:solidFill>
             </a:endParaRPr>
           </a:p>
         </p:txBody>
       </p:sp>
       <p:sp>
         <p:nvSpPr>
-          <p:cNvPr id="44" name="文本框 43"/>
-          <p:cNvSpPr txBox="1"/>
-          <p:nvPr/>
-        </p:nvSpPr>
-        <p:spPr>
-          <a:xfrm>
-            <a:off x="2496185" y="2018665"/>
-            <a:ext cx="802005" cy="275590"/>
-          </a:xfrm>
-          <a:prstGeom prst="rect">
-            <a:avLst/>
-          </a:prstGeom>
-          <a:noFill/>
-        </p:spPr>
-        <p:txBody>
-          <a:bodyPr wrap="square" rtlCol="0">
-            <a:spAutoFit/>
-          </a:bodyPr>
-          <a:p>
-            <a:r>
-              <a:rPr lang="en-US" altLang="zh-CN" sz="1200" b="1"/>
-              <a:t>PM1: 340</a:t>
-            </a:r>
-            <a:endParaRPr lang="en-US" altLang="zh-CN" sz="1200" b="1"/>
-          </a:p>
-        </p:txBody>
-      </p:sp>
-      <p:sp>
-        <p:nvSpPr>
-          <p:cNvPr id="46" name="文本框 45"/>
-          <p:cNvSpPr txBox="1"/>
-          <p:nvPr/>
-        </p:nvSpPr>
-        <p:spPr>
-          <a:xfrm>
-            <a:off x="3342005" y="1998345"/>
-            <a:ext cx="1461770" cy="275590"/>
-          </a:xfrm>
-          <a:prstGeom prst="rect">
-            <a:avLst/>
-          </a:prstGeom>
-          <a:noFill/>
-        </p:spPr>
-        <p:txBody>
-          <a:bodyPr wrap="square" rtlCol="0">
-            <a:spAutoFit/>
-          </a:bodyPr>
-          <a:p>
-            <a:r>
-              <a:rPr lang="en-US" altLang="zh-CN" sz="1200" b="1"/>
-              <a:t> Base Mesh: 140</a:t>
-            </a:r>
-            <a:endParaRPr lang="en-US" altLang="zh-CN" sz="1200" b="1"/>
-          </a:p>
-        </p:txBody>
-      </p:sp>
-      <p:sp>
-        <p:nvSpPr>
-          <p:cNvPr id="73" name="下弧形箭头 72"/>
+          <p:cNvPr id="74" name="下弧形箭头 73"/>
           <p:cNvSpPr/>
           <p:nvPr/>
         </p:nvSpPr>
         <p:spPr>
           <a:xfrm>
-            <a:off x="826770" y="2313305"/>
-            <a:ext cx="1052830" cy="250825"/>
+            <a:off x="1880235" y="2313305"/>
+            <a:ext cx="1106170" cy="250825"/>
           </a:xfrm>
           <a:prstGeom prst="curvedUpArrow">
             <a:avLst/>
@@ -4235,18 +4143,29 @@
       </p:sp>
       <p:sp>
         <p:nvSpPr>
-          <p:cNvPr id="74" name="下弧形箭头 73"/>
+          <p:cNvPr id="75" name="下弧形箭头 74"/>
           <p:cNvSpPr/>
           <p:nvPr/>
         </p:nvSpPr>
         <p:spPr>
           <a:xfrm>
-            <a:off x="1880235" y="2313305"/>
-            <a:ext cx="1106170" cy="250825"/>
+            <a:off x="2986405" y="2313305"/>
+            <a:ext cx="1120775" cy="250825"/>
           </a:xfrm>
           <a:prstGeom prst="curvedUpArrow">
             <a:avLst/>
           </a:prstGeom>
+          <a:gradFill>
+            <a:gsLst>
+              <a:gs pos="0">
+                <a:srgbClr val="7B32B2"/>
+              </a:gs>
+              <a:gs pos="100000">
+                <a:srgbClr val="401A5D"/>
+              </a:gs>
+            </a:gsLst>
+            <a:lin ang="5400000" scaled="0"/>
+          </a:gradFill>
         </p:spPr>
         <p:style>
           <a:lnRef idx="2">
@@ -4278,29 +4197,26 @@
       </p:sp>
       <p:sp>
         <p:nvSpPr>
-          <p:cNvPr id="75" name="下弧形箭头 74"/>
+          <p:cNvPr id="11" name="圆角矩形 10"/>
           <p:cNvSpPr/>
           <p:nvPr/>
         </p:nvSpPr>
         <p:spPr>
           <a:xfrm>
-            <a:off x="2986405" y="2313305"/>
-            <a:ext cx="1120775" cy="250825"/>
-          </a:xfrm>
-          <a:prstGeom prst="curvedUpArrow">
-            <a:avLst/>
-          </a:prstGeom>
-          <a:gradFill>
-            <a:gsLst>
-              <a:gs pos="0">
-                <a:srgbClr val="7B32B2"/>
-              </a:gs>
-              <a:gs pos="100000">
-                <a:srgbClr val="401A5D"/>
-              </a:gs>
-            </a:gsLst>
-            <a:lin ang="5400000" scaled="0"/>
-          </a:gradFill>
+            <a:off x="5568950" y="1814830"/>
+            <a:ext cx="946785" cy="225425"/>
+          </a:xfrm>
+          <a:prstGeom prst="roundRect">
+            <a:avLst/>
+          </a:prstGeom>
+          <a:effectLst>
+            <a:outerShdw blurRad="50800" dist="38100" dir="18900000" algn="bl" rotWithShape="0">
+              <a:prstClr val="black">
+                <a:alpha val="40000"/>
+              </a:prstClr>
+            </a:outerShdw>
+            <a:reflection stA="45000" endPos="0" dir="5400000" sy="-100000" algn="bl" rotWithShape="0"/>
+          </a:effectLst>
         </p:spPr>
         <p:style>
           <a:lnRef idx="2">
@@ -4322,23 +4238,33 @@
           <a:bodyPr rtlCol="0" anchor="ctr"/>
           <a:p>
             <a:pPr algn="ctr"/>
-            <a:endParaRPr lang="zh-CN" altLang="en-US">
-              <a:solidFill>
-                <a:schemeClr val="tx1"/>
-              </a:solidFill>
+            <a:r>
+              <a:rPr lang="en-US" altLang="zh-CN">
+                <a:sym typeface="+mn-ea"/>
+              </a:rPr>
+              <a:t>Record</a:t>
+            </a:r>
+            <a:r>
+              <a:rPr lang="en-US" altLang="zh-CN" baseline="-25000">
+                <a:sym typeface="+mn-ea"/>
+              </a:rPr>
+              <a:t>1</a:t>
+            </a:r>
+            <a:endParaRPr lang="en-US" altLang="zh-CN" baseline="-25000">
+              <a:sym typeface="+mn-ea"/>
             </a:endParaRPr>
           </a:p>
         </p:txBody>
       </p:sp>
       <p:sp>
         <p:nvSpPr>
-          <p:cNvPr id="11" name="圆角矩形 10"/>
+          <p:cNvPr id="14" name="圆角矩形 13"/>
           <p:cNvSpPr/>
           <p:nvPr/>
         </p:nvSpPr>
         <p:spPr>
           <a:xfrm>
-            <a:off x="5568950" y="1814830"/>
+            <a:off x="5568950" y="2096135"/>
             <a:ext cx="946785" cy="225425"/>
           </a:xfrm>
           <a:prstGeom prst="roundRect">
@@ -4383,7 +4309,7 @@
               <a:rPr lang="en-US" altLang="zh-CN" baseline="-25000">
                 <a:sym typeface="+mn-ea"/>
               </a:rPr>
-              <a:t>1</a:t>
+              <a:t>2</a:t>
             </a:r>
             <a:endParaRPr lang="en-US" altLang="zh-CN" baseline="-25000">
               <a:sym typeface="+mn-ea"/>
@@ -4393,14 +4319,14 @@
       </p:sp>
       <p:sp>
         <p:nvSpPr>
-          <p:cNvPr id="14" name="圆角矩形 13"/>
+          <p:cNvPr id="15" name="圆角矩形 14"/>
           <p:cNvSpPr/>
           <p:nvPr/>
         </p:nvSpPr>
         <p:spPr>
           <a:xfrm>
-            <a:off x="5568950" y="2096135"/>
-            <a:ext cx="946785" cy="225425"/>
+            <a:off x="5568950" y="2379980"/>
+            <a:ext cx="955040" cy="225425"/>
           </a:xfrm>
           <a:prstGeom prst="roundRect">
             <a:avLst/>
@@ -4444,7 +4370,7 @@
               <a:rPr lang="en-US" altLang="zh-CN" baseline="-25000">
                 <a:sym typeface="+mn-ea"/>
               </a:rPr>
-              <a:t>2</a:t>
+              <a:t>3</a:t>
             </a:r>
             <a:endParaRPr lang="en-US" altLang="zh-CN" baseline="-25000">
               <a:sym typeface="+mn-ea"/>
@@ -4454,26 +4380,68 @@
       </p:sp>
       <p:sp>
         <p:nvSpPr>
-          <p:cNvPr id="15" name="圆角矩形 14"/>
+          <p:cNvPr id="22" name="文本框 21"/>
+          <p:cNvSpPr txBox="1"/>
+          <p:nvPr/>
+        </p:nvSpPr>
+        <p:spPr>
+          <a:xfrm>
+            <a:off x="5330190" y="785495"/>
+            <a:ext cx="1542415" cy="368300"/>
+          </a:xfrm>
+          <a:prstGeom prst="rect">
+            <a:avLst/>
+          </a:prstGeom>
+          <a:noFill/>
+        </p:spPr>
+        <p:txBody>
+          <a:bodyPr wrap="square" rtlCol="0">
+            <a:spAutoFit/>
+          </a:bodyPr>
+          <a:p>
+            <a:r>
+              <a:rPr lang="en-US" altLang="zh-CN" b="1">
+                <a:solidFill>
+                  <a:srgbClr val="7030A0"/>
+                </a:solidFill>
+                <a:uFillTx/>
+              </a:rPr>
+              <a:t>Mesh Stream</a:t>
+            </a:r>
+            <a:endParaRPr lang="en-US" altLang="zh-CN" b="1">
+              <a:solidFill>
+                <a:srgbClr val="7030A0"/>
+              </a:solidFill>
+              <a:uFillTx/>
+            </a:endParaRPr>
+          </a:p>
+        </p:txBody>
+      </p:sp>
+      <p:sp>
+        <p:nvSpPr>
+          <p:cNvPr id="17" name="右弧形箭头 16"/>
           <p:cNvSpPr/>
           <p:nvPr/>
         </p:nvSpPr>
         <p:spPr>
           <a:xfrm>
-            <a:off x="5568950" y="2379980"/>
-            <a:ext cx="955040" cy="225425"/>
-          </a:xfrm>
-          <a:prstGeom prst="roundRect">
-            <a:avLst/>
-          </a:prstGeom>
-          <a:effectLst>
-            <a:outerShdw blurRad="50800" dist="38100" dir="18900000" algn="bl" rotWithShape="0">
-              <a:prstClr val="black">
-                <a:alpha val="40000"/>
-              </a:prstClr>
-            </a:outerShdw>
-            <a:reflection stA="45000" endPos="0" dir="5400000" sy="-100000" algn="bl" rotWithShape="0"/>
-          </a:effectLst>
+            <a:off x="6575425" y="1671320"/>
+            <a:ext cx="109220" cy="236220"/>
+          </a:xfrm>
+          <a:prstGeom prst="curvedLeftArrow">
+            <a:avLst/>
+          </a:prstGeom>
+          <a:gradFill>
+            <a:gsLst>
+              <a:gs pos="0">
+                <a:srgbClr val="7B32B2"/>
+              </a:gs>
+              <a:gs pos="100000">
+                <a:srgbClr val="401A5D"/>
+              </a:gs>
+            </a:gsLst>
+            <a:lin ang="5400000" scaled="0"/>
+          </a:gradFill>
         </p:spPr>
         <p:style>
           <a:lnRef idx="2">
@@ -4495,88 +4463,28 @@
           <a:bodyPr rtlCol="0" anchor="ctr"/>
           <a:p>
             <a:pPr algn="ctr"/>
-            <a:r>
-              <a:rPr lang="en-US" altLang="zh-CN">
-                <a:sym typeface="+mn-ea"/>
-              </a:rPr>
-              <a:t>Record</a:t>
-            </a:r>
-            <a:r>
-              <a:rPr lang="en-US" altLang="zh-CN" baseline="-25000">
-                <a:sym typeface="+mn-ea"/>
-              </a:rPr>
-              <a:t>3</a:t>
-            </a:r>
-            <a:endParaRPr lang="en-US" altLang="zh-CN" baseline="-25000">
-              <a:sym typeface="+mn-ea"/>
+            <a:endParaRPr lang="zh-CN" altLang="en-US">
+              <a:solidFill>
+                <a:schemeClr val="tx1"/>
+              </a:solidFill>
             </a:endParaRPr>
           </a:p>
         </p:txBody>
       </p:sp>
       <p:sp>
         <p:nvSpPr>
-          <p:cNvPr id="22" name="文本框 21"/>
-          <p:cNvSpPr txBox="1"/>
-          <p:nvPr/>
-        </p:nvSpPr>
-        <p:spPr>
-          <a:xfrm>
-            <a:off x="5330190" y="785495"/>
-            <a:ext cx="1542415" cy="368300"/>
-          </a:xfrm>
-          <a:prstGeom prst="rect">
-            <a:avLst/>
-          </a:prstGeom>
-          <a:noFill/>
-        </p:spPr>
-        <p:txBody>
-          <a:bodyPr wrap="square" rtlCol="0">
-            <a:spAutoFit/>
-          </a:bodyPr>
-          <a:p>
-            <a:r>
-              <a:rPr lang="en-US" altLang="zh-CN" b="1">
-                <a:solidFill>
-                  <a:srgbClr val="7030A0"/>
-                </a:solidFill>
-                <a:uFillTx/>
-              </a:rPr>
-              <a:t>Mesh Stream</a:t>
-            </a:r>
-            <a:endParaRPr lang="en-US" altLang="zh-CN" b="1">
-              <a:solidFill>
-                <a:srgbClr val="7030A0"/>
-              </a:solidFill>
-              <a:uFillTx/>
-            </a:endParaRPr>
-          </a:p>
-        </p:txBody>
-      </p:sp>
-      <p:sp>
-        <p:nvSpPr>
-          <p:cNvPr id="17" name="右弧形箭头 16"/>
+          <p:cNvPr id="18" name="右弧形箭头 17"/>
           <p:cNvSpPr/>
           <p:nvPr/>
         </p:nvSpPr>
         <p:spPr>
-          <a:xfrm>
-            <a:off x="6575425" y="1671320"/>
-            <a:ext cx="109220" cy="236220"/>
+          <a:xfrm flipH="1">
+            <a:off x="5427980" y="1964690"/>
+            <a:ext cx="92075" cy="236220"/>
           </a:xfrm>
           <a:prstGeom prst="curvedLeftArrow">
             <a:avLst/>
           </a:prstGeom>
-          <a:gradFill>
-            <a:gsLst>
-              <a:gs pos="0">
-                <a:srgbClr val="7B32B2"/>
-              </a:gs>
-              <a:gs pos="100000">
-                <a:srgbClr val="401A5D"/>
-              </a:gs>
-            </a:gsLst>
-            <a:lin ang="5400000" scaled="0"/>
-          </a:gradFill>
         </p:spPr>
         <p:style>
           <a:lnRef idx="2">
@@ -4608,14 +4516,14 @@
       </p:sp>
       <p:sp>
         <p:nvSpPr>
-          <p:cNvPr id="18" name="右弧形箭头 17"/>
+          <p:cNvPr id="26" name="右弧形箭头 25"/>
           <p:cNvSpPr/>
           <p:nvPr/>
         </p:nvSpPr>
         <p:spPr>
-          <a:xfrm flipH="1">
-            <a:off x="5427980" y="1964690"/>
-            <a:ext cx="92075" cy="236220"/>
+          <a:xfrm>
+            <a:off x="6576695" y="2190750"/>
+            <a:ext cx="109220" cy="236220"/>
           </a:xfrm>
           <a:prstGeom prst="curvedLeftArrow">
             <a:avLst/>
@@ -4651,18 +4559,29 @@
       </p:sp>
       <p:sp>
         <p:nvSpPr>
-          <p:cNvPr id="26" name="右弧形箭头 25"/>
+          <p:cNvPr id="29" name="右箭头 28"/>
           <p:cNvSpPr/>
           <p:nvPr/>
         </p:nvSpPr>
         <p:spPr>
           <a:xfrm>
-            <a:off x="6576695" y="2190750"/>
-            <a:ext cx="109220" cy="236220"/>
-          </a:xfrm>
-          <a:prstGeom prst="curvedLeftArrow">
-            <a:avLst/>
-          </a:prstGeom>
+            <a:off x="4501515" y="1537970"/>
+            <a:ext cx="535305" cy="202565"/>
+          </a:xfrm>
+          <a:prstGeom prst="rightArrow">
+            <a:avLst/>
+          </a:prstGeom>
+          <a:gradFill>
+            <a:gsLst>
+              <a:gs pos="0">
+                <a:srgbClr val="14CD68"/>
+              </a:gs>
+              <a:gs pos="100000">
+                <a:srgbClr val="0B6E38"/>
+              </a:gs>
+            </a:gsLst>
+            <a:lin ang="5400000" scaled="0"/>
+          </a:gradFill>
         </p:spPr>
         <p:style>
           <a:lnRef idx="2">
@@ -4684,39 +4603,216 @@
           <a:bodyPr rtlCol="0" anchor="ctr"/>
           <a:p>
             <a:pPr algn="ctr"/>
-            <a:endParaRPr lang="zh-CN" altLang="en-US">
-              <a:solidFill>
-                <a:schemeClr val="tx1"/>
-              </a:solidFill>
-            </a:endParaRPr>
-          </a:p>
-        </p:txBody>
-      </p:sp>
-      <p:sp>
-        <p:nvSpPr>
-          <p:cNvPr id="29" name="右箭头 28"/>
+            <a:endParaRPr lang="zh-CN" altLang="en-US"/>
+          </a:p>
+        </p:txBody>
+      </p:sp>
+      <p:pic>
+        <p:nvPicPr>
+          <p:cNvPr id="65" name="图片 64"/>
+          <p:cNvPicPr>
+            <a:picLocks noChangeAspect="1"/>
+          </p:cNvPicPr>
+          <p:nvPr/>
+        </p:nvPicPr>
+        <p:blipFill>
+          <a:blip r:embed="rId1"/>
+          <a:stretch>
+            <a:fillRect/>
+          </a:stretch>
+        </p:blipFill>
+        <p:spPr>
+          <a:xfrm>
+            <a:off x="3582035" y="1023620"/>
+            <a:ext cx="751205" cy="985520"/>
+          </a:xfrm>
+          <a:prstGeom prst="rect">
+            <a:avLst/>
+          </a:prstGeom>
+        </p:spPr>
+      </p:pic>
+      <p:pic>
+        <p:nvPicPr>
+          <p:cNvPr id="66" name="图片 65"/>
+          <p:cNvPicPr>
+            <a:picLocks noChangeAspect="1"/>
+          </p:cNvPicPr>
+          <p:nvPr/>
+        </p:nvPicPr>
+        <p:blipFill>
+          <a:blip r:embed="rId1"/>
+          <a:stretch>
+            <a:fillRect/>
+          </a:stretch>
+        </p:blipFill>
+        <p:spPr>
+          <a:xfrm>
+            <a:off x="7722870" y="988060"/>
+            <a:ext cx="782320" cy="1026795"/>
+          </a:xfrm>
+          <a:prstGeom prst="rect">
+            <a:avLst/>
+          </a:prstGeom>
+        </p:spPr>
+      </p:pic>
+      <p:pic>
+        <p:nvPicPr>
+          <p:cNvPr id="67" name="图片 66"/>
+          <p:cNvPicPr>
+            <a:picLocks noChangeAspect="1"/>
+          </p:cNvPicPr>
+          <p:nvPr/>
+        </p:nvPicPr>
+        <p:blipFill>
+          <a:blip r:embed="rId2"/>
+          <a:stretch>
+            <a:fillRect/>
+          </a:stretch>
+        </p:blipFill>
+        <p:spPr>
+          <a:xfrm>
+            <a:off x="2538730" y="1023620"/>
+            <a:ext cx="753745" cy="993775"/>
+          </a:xfrm>
+          <a:prstGeom prst="rect">
+            <a:avLst/>
+          </a:prstGeom>
+        </p:spPr>
+      </p:pic>
+      <p:pic>
+        <p:nvPicPr>
+          <p:cNvPr id="76" name="图片 75"/>
+          <p:cNvPicPr>
+            <a:picLocks noChangeAspect="1"/>
+          </p:cNvPicPr>
+          <p:nvPr/>
+        </p:nvPicPr>
+        <p:blipFill>
+          <a:blip r:embed="rId2"/>
+          <a:stretch>
+            <a:fillRect/>
+          </a:stretch>
+        </p:blipFill>
+        <p:spPr>
+          <a:xfrm>
+            <a:off x="8680450" y="1005840"/>
+            <a:ext cx="753745" cy="993775"/>
+          </a:xfrm>
+          <a:prstGeom prst="rect">
+            <a:avLst/>
+          </a:prstGeom>
+        </p:spPr>
+      </p:pic>
+      <p:pic>
+        <p:nvPicPr>
+          <p:cNvPr id="80" name="图片 79"/>
+          <p:cNvPicPr>
+            <a:picLocks noChangeAspect="1"/>
+          </p:cNvPicPr>
+          <p:nvPr/>
+        </p:nvPicPr>
+        <p:blipFill>
+          <a:blip r:embed="rId3"/>
+          <a:stretch>
+            <a:fillRect/>
+          </a:stretch>
+        </p:blipFill>
+        <p:spPr>
+          <a:xfrm>
+            <a:off x="1502410" y="1041400"/>
+            <a:ext cx="743585" cy="989965"/>
+          </a:xfrm>
+          <a:prstGeom prst="rect">
+            <a:avLst/>
+          </a:prstGeom>
+        </p:spPr>
+      </p:pic>
+      <p:pic>
+        <p:nvPicPr>
+          <p:cNvPr id="81" name="图片 80"/>
+          <p:cNvPicPr>
+            <a:picLocks noChangeAspect="1"/>
+          </p:cNvPicPr>
+          <p:nvPr/>
+        </p:nvPicPr>
+        <p:blipFill>
+          <a:blip r:embed="rId3"/>
+          <a:stretch>
+            <a:fillRect/>
+          </a:stretch>
+        </p:blipFill>
+        <p:spPr>
+          <a:xfrm>
+            <a:off x="9554845" y="988060"/>
+            <a:ext cx="759460" cy="1010920"/>
+          </a:xfrm>
+          <a:prstGeom prst="rect">
+            <a:avLst/>
+          </a:prstGeom>
+        </p:spPr>
+      </p:pic>
+      <p:pic>
+        <p:nvPicPr>
+          <p:cNvPr id="82" name="图片 81"/>
+          <p:cNvPicPr>
+            <a:picLocks noChangeAspect="1"/>
+          </p:cNvPicPr>
+          <p:nvPr/>
+        </p:nvPicPr>
+        <p:blipFill>
+          <a:blip r:embed="rId4"/>
+          <a:stretch>
+            <a:fillRect/>
+          </a:stretch>
+        </p:blipFill>
+        <p:spPr>
+          <a:xfrm>
+            <a:off x="530225" y="1023620"/>
+            <a:ext cx="777875" cy="1026795"/>
+          </a:xfrm>
+          <a:prstGeom prst="rect">
+            <a:avLst/>
+          </a:prstGeom>
+        </p:spPr>
+      </p:pic>
+      <p:pic>
+        <p:nvPicPr>
+          <p:cNvPr id="83" name="图片 82"/>
+          <p:cNvPicPr>
+            <a:picLocks noChangeAspect="1"/>
+          </p:cNvPicPr>
+          <p:nvPr/>
+        </p:nvPicPr>
+        <p:blipFill>
+          <a:blip r:embed="rId4"/>
+          <a:stretch>
+            <a:fillRect/>
+          </a:stretch>
+        </p:blipFill>
+        <p:spPr>
+          <a:xfrm>
+            <a:off x="10509250" y="1035685"/>
+            <a:ext cx="676910" cy="894080"/>
+          </a:xfrm>
+          <a:prstGeom prst="rect">
+            <a:avLst/>
+          </a:prstGeom>
+        </p:spPr>
+      </p:pic>
+      <p:sp>
+        <p:nvSpPr>
+          <p:cNvPr id="89" name="矩形 88"/>
           <p:cNvSpPr/>
           <p:nvPr/>
         </p:nvSpPr>
         <p:spPr>
           <a:xfrm>
-            <a:off x="4501515" y="1537970"/>
-            <a:ext cx="535305" cy="202565"/>
-          </a:xfrm>
-          <a:prstGeom prst="rightArrow">
-            <a:avLst/>
-          </a:prstGeom>
-          <a:gradFill>
-            <a:gsLst>
-              <a:gs pos="0">
-                <a:srgbClr val="14CD68"/>
-              </a:gs>
-              <a:gs pos="100000">
-                <a:srgbClr val="0B6E38"/>
-              </a:gs>
-            </a:gsLst>
-            <a:lin ang="5400000" scaled="0"/>
-          </a:gradFill>
+            <a:off x="3225800" y="2286635"/>
+            <a:ext cx="621665" cy="176530"/>
+          </a:xfrm>
+          <a:prstGeom prst="rect">
+            <a:avLst/>
+          </a:prstGeom>
         </p:spPr>
         <p:style>
           <a:lnRef idx="2">
@@ -4738,211 +4834,289 @@
           <a:bodyPr rtlCol="0" anchor="ctr"/>
           <a:p>
             <a:pPr algn="ctr"/>
-            <a:endParaRPr lang="zh-CN" altLang="en-US"/>
-          </a:p>
-        </p:txBody>
-      </p:sp>
-      <p:pic>
-        <p:nvPicPr>
-          <p:cNvPr id="65" name="图片 64"/>
-          <p:cNvPicPr>
-            <a:picLocks noChangeAspect="1"/>
-          </p:cNvPicPr>
-          <p:nvPr/>
-        </p:nvPicPr>
-        <p:blipFill>
-          <a:blip r:embed="rId1"/>
-          <a:stretch>
-            <a:fillRect/>
-          </a:stretch>
-        </p:blipFill>
-        <p:spPr>
-          <a:xfrm>
-            <a:off x="3582035" y="1023620"/>
-            <a:ext cx="751205" cy="985520"/>
+            <a:r>
+              <a:rPr lang="en-US" altLang="zh-CN" sz="1000" b="1"/>
+              <a:t>Record</a:t>
+            </a:r>
+            <a:r>
+              <a:rPr lang="en-US" altLang="zh-CN" sz="1000" b="1" baseline="-25000"/>
+              <a:t>1</a:t>
+            </a:r>
+            <a:endParaRPr lang="en-US" altLang="zh-CN" sz="1000" b="1" baseline="-25000"/>
+          </a:p>
+        </p:txBody>
+      </p:sp>
+      <p:sp>
+        <p:nvSpPr>
+          <p:cNvPr id="90" name="椭圆 89"/>
+          <p:cNvSpPr/>
+          <p:nvPr/>
+        </p:nvSpPr>
+        <p:spPr>
+          <a:xfrm>
+            <a:off x="3338830" y="2492375"/>
+            <a:ext cx="340360" cy="224155"/>
+          </a:xfrm>
+          <a:prstGeom prst="ellipse">
+            <a:avLst/>
+          </a:prstGeom>
+        </p:spPr>
+        <p:style>
+          <a:lnRef idx="2">
+            <a:schemeClr val="accent2">
+              <a:shade val="50000"/>
+            </a:schemeClr>
+          </a:lnRef>
+          <a:fillRef idx="1">
+            <a:schemeClr val="accent2"/>
+          </a:fillRef>
+          <a:effectRef idx="0">
+            <a:schemeClr val="accent2"/>
+          </a:effectRef>
+          <a:fontRef idx="minor">
+            <a:schemeClr val="lt1"/>
+          </a:fontRef>
+        </p:style>
+        <p:txBody>
+          <a:bodyPr rtlCol="0" anchor="ctr"/>
+          <a:p>
+            <a:pPr algn="ctr">
+              <a:lnSpc>
+                <a:spcPct val="90000"/>
+              </a:lnSpc>
+            </a:pPr>
+            <a:r>
+              <a:rPr lang="en-US" altLang="zh-CN" sz="4000" b="1"/>
+              <a:t>-</a:t>
+            </a:r>
+            <a:endParaRPr lang="en-US" altLang="zh-CN" sz="4000" b="1"/>
+          </a:p>
+        </p:txBody>
+      </p:sp>
+      <p:sp>
+        <p:nvSpPr>
+          <p:cNvPr id="101" name="文本框 100"/>
+          <p:cNvSpPr txBox="1"/>
+          <p:nvPr/>
+        </p:nvSpPr>
+        <p:spPr>
+          <a:xfrm>
+            <a:off x="7722870" y="2010410"/>
+            <a:ext cx="803275" cy="275590"/>
           </a:xfrm>
           <a:prstGeom prst="rect">
             <a:avLst/>
           </a:prstGeom>
-        </p:spPr>
-      </p:pic>
-      <p:pic>
-        <p:nvPicPr>
-          <p:cNvPr id="66" name="图片 65"/>
-          <p:cNvPicPr>
-            <a:picLocks noChangeAspect="1"/>
-          </p:cNvPicPr>
-          <p:nvPr/>
-        </p:nvPicPr>
-        <p:blipFill>
-          <a:blip r:embed="rId1"/>
-          <a:stretch>
-            <a:fillRect/>
-          </a:stretch>
-        </p:blipFill>
-        <p:spPr>
-          <a:xfrm>
-            <a:off x="7722870" y="988060"/>
-            <a:ext cx="782320" cy="1026795"/>
+          <a:noFill/>
+        </p:spPr>
+        <p:txBody>
+          <a:bodyPr wrap="square" rtlCol="0">
+            <a:spAutoFit/>
+          </a:bodyPr>
+          <a:p>
+            <a:r>
+              <a:rPr lang="en-US" altLang="zh-CN" sz="1200" b="1"/>
+              <a:t>PM0:140</a:t>
+            </a:r>
+            <a:endParaRPr lang="en-US" altLang="zh-CN" sz="1200" b="1"/>
+          </a:p>
+        </p:txBody>
+      </p:sp>
+      <p:sp>
+        <p:nvSpPr>
+          <p:cNvPr id="102" name="文本框 101"/>
+          <p:cNvSpPr txBox="1"/>
+          <p:nvPr/>
+        </p:nvSpPr>
+        <p:spPr>
+          <a:xfrm>
+            <a:off x="8752840" y="2004060"/>
+            <a:ext cx="802005" cy="275590"/>
           </a:xfrm>
           <a:prstGeom prst="rect">
             <a:avLst/>
           </a:prstGeom>
-        </p:spPr>
-      </p:pic>
-      <p:pic>
-        <p:nvPicPr>
-          <p:cNvPr id="67" name="图片 66"/>
-          <p:cNvPicPr>
-            <a:picLocks noChangeAspect="1"/>
-          </p:cNvPicPr>
-          <p:nvPr/>
-        </p:nvPicPr>
-        <p:blipFill>
-          <a:blip r:embed="rId2"/>
-          <a:stretch>
-            <a:fillRect/>
-          </a:stretch>
-        </p:blipFill>
-        <p:spPr>
-          <a:xfrm>
-            <a:off x="2538730" y="1023620"/>
-            <a:ext cx="753745" cy="993775"/>
+          <a:noFill/>
+        </p:spPr>
+        <p:txBody>
+          <a:bodyPr wrap="square" rtlCol="0">
+            <a:spAutoFit/>
+          </a:bodyPr>
+          <a:p>
+            <a:r>
+              <a:rPr lang="en-US" altLang="zh-CN" sz="1200" b="1"/>
+              <a:t>PM1:340</a:t>
+            </a:r>
+            <a:endParaRPr lang="en-US" altLang="zh-CN" sz="1200" b="1"/>
+          </a:p>
+        </p:txBody>
+      </p:sp>
+      <p:sp>
+        <p:nvSpPr>
+          <p:cNvPr id="103" name="文本框 102"/>
+          <p:cNvSpPr txBox="1"/>
+          <p:nvPr/>
+        </p:nvSpPr>
+        <p:spPr>
+          <a:xfrm>
+            <a:off x="9692005" y="2027555"/>
+            <a:ext cx="817245" cy="275590"/>
           </a:xfrm>
           <a:prstGeom prst="rect">
             <a:avLst/>
           </a:prstGeom>
-        </p:spPr>
-      </p:pic>
-      <p:pic>
-        <p:nvPicPr>
-          <p:cNvPr id="76" name="图片 75"/>
-          <p:cNvPicPr>
-            <a:picLocks noChangeAspect="1"/>
-          </p:cNvPicPr>
-          <p:nvPr/>
-        </p:nvPicPr>
-        <p:blipFill>
-          <a:blip r:embed="rId2"/>
-          <a:stretch>
-            <a:fillRect/>
-          </a:stretch>
-        </p:blipFill>
-        <p:spPr>
-          <a:xfrm>
-            <a:off x="8680450" y="1005840"/>
-            <a:ext cx="753745" cy="993775"/>
+          <a:noFill/>
+        </p:spPr>
+        <p:txBody>
+          <a:bodyPr wrap="square" rtlCol="0">
+            <a:spAutoFit/>
+          </a:bodyPr>
+          <a:p>
+            <a:r>
+              <a:rPr lang="en-US" altLang="zh-CN" sz="1200" b="1"/>
+              <a:t>PM2:540</a:t>
+            </a:r>
+            <a:endParaRPr lang="en-US" altLang="zh-CN" sz="1200" b="1"/>
+          </a:p>
+        </p:txBody>
+      </p:sp>
+      <p:sp>
+        <p:nvSpPr>
+          <p:cNvPr id="104" name="文本框 103"/>
+          <p:cNvSpPr txBox="1"/>
+          <p:nvPr/>
+        </p:nvSpPr>
+        <p:spPr>
+          <a:xfrm>
+            <a:off x="10509250" y="2004060"/>
+            <a:ext cx="783590" cy="245110"/>
           </a:xfrm>
           <a:prstGeom prst="rect">
             <a:avLst/>
           </a:prstGeom>
-        </p:spPr>
-      </p:pic>
-      <p:pic>
-        <p:nvPicPr>
-          <p:cNvPr id="80" name="图片 79"/>
-          <p:cNvPicPr>
-            <a:picLocks noChangeAspect="1"/>
-          </p:cNvPicPr>
-          <p:nvPr/>
-        </p:nvPicPr>
-        <p:blipFill>
-          <a:blip r:embed="rId3"/>
-          <a:stretch>
-            <a:fillRect/>
-          </a:stretch>
-        </p:blipFill>
-        <p:spPr>
-          <a:xfrm>
-            <a:off x="1502410" y="1041400"/>
-            <a:ext cx="743585" cy="989965"/>
-          </a:xfrm>
-          <a:prstGeom prst="rect">
-            <a:avLst/>
-          </a:prstGeom>
-        </p:spPr>
-      </p:pic>
-      <p:pic>
-        <p:nvPicPr>
-          <p:cNvPr id="81" name="图片 80"/>
-          <p:cNvPicPr>
-            <a:picLocks noChangeAspect="1"/>
-          </p:cNvPicPr>
-          <p:nvPr/>
-        </p:nvPicPr>
-        <p:blipFill>
-          <a:blip r:embed="rId3"/>
-          <a:stretch>
-            <a:fillRect/>
-          </a:stretch>
-        </p:blipFill>
-        <p:spPr>
-          <a:xfrm>
-            <a:off x="9554845" y="988060"/>
-            <a:ext cx="759460" cy="1010920"/>
-          </a:xfrm>
-          <a:prstGeom prst="rect">
-            <a:avLst/>
-          </a:prstGeom>
-        </p:spPr>
-      </p:pic>
-      <p:pic>
-        <p:nvPicPr>
-          <p:cNvPr id="82" name="图片 81"/>
-          <p:cNvPicPr>
-            <a:picLocks noChangeAspect="1"/>
-          </p:cNvPicPr>
-          <p:nvPr/>
-        </p:nvPicPr>
-        <p:blipFill>
-          <a:blip r:embed="rId4"/>
-          <a:stretch>
-            <a:fillRect/>
-          </a:stretch>
-        </p:blipFill>
-        <p:spPr>
-          <a:xfrm>
-            <a:off x="530225" y="1023620"/>
-            <a:ext cx="777875" cy="1026795"/>
-          </a:xfrm>
-          <a:prstGeom prst="rect">
-            <a:avLst/>
-          </a:prstGeom>
-        </p:spPr>
-      </p:pic>
-      <p:pic>
-        <p:nvPicPr>
-          <p:cNvPr id="83" name="图片 82"/>
-          <p:cNvPicPr>
-            <a:picLocks noChangeAspect="1"/>
-          </p:cNvPicPr>
-          <p:nvPr/>
-        </p:nvPicPr>
-        <p:blipFill>
-          <a:blip r:embed="rId4"/>
-          <a:stretch>
-            <a:fillRect/>
-          </a:stretch>
-        </p:blipFill>
-        <p:spPr>
-          <a:xfrm>
-            <a:off x="10509250" y="1035685"/>
-            <a:ext cx="676910" cy="894080"/>
-          </a:xfrm>
-          <a:prstGeom prst="rect">
-            <a:avLst/>
-          </a:prstGeom>
-        </p:spPr>
-      </p:pic>
-      <p:sp>
-        <p:nvSpPr>
-          <p:cNvPr id="89" name="矩形 88"/>
+          <a:noFill/>
+        </p:spPr>
+        <p:txBody>
+          <a:bodyPr wrap="square" rtlCol="0">
+            <a:spAutoFit/>
+          </a:bodyPr>
+          <a:p>
+            <a:pPr algn="l">
+              <a:buClrTx/>
+              <a:buSzTx/>
+              <a:buFontTx/>
+            </a:pPr>
+            <a:r>
+              <a:rPr lang="en-US" altLang="zh-CN" sz="1200" b="1"/>
+              <a:t>PM3:592</a:t>
+            </a:r>
+            <a:endParaRPr lang="en-US" altLang="zh-CN" sz="1200" b="1"/>
+          </a:p>
+        </p:txBody>
+      </p:sp>
+      <p:sp>
+        <p:nvSpPr>
+          <p:cNvPr id="12" name="椭圆 11"/>
           <p:cNvSpPr/>
           <p:nvPr/>
         </p:nvSpPr>
         <p:spPr>
           <a:xfrm>
-            <a:off x="3225800" y="2286635"/>
+            <a:off x="2291080" y="2463165"/>
+            <a:ext cx="317500" cy="233680"/>
+          </a:xfrm>
+          <a:prstGeom prst="ellipse">
+            <a:avLst/>
+          </a:prstGeom>
+        </p:spPr>
+        <p:style>
+          <a:lnRef idx="2">
+            <a:schemeClr val="accent2">
+              <a:shade val="50000"/>
+            </a:schemeClr>
+          </a:lnRef>
+          <a:fillRef idx="1">
+            <a:schemeClr val="accent2"/>
+          </a:fillRef>
+          <a:effectRef idx="0">
+            <a:schemeClr val="accent2"/>
+          </a:effectRef>
+          <a:fontRef idx="minor">
+            <a:schemeClr val="lt1"/>
+          </a:fontRef>
+        </p:style>
+        <p:txBody>
+          <a:bodyPr rtlCol="0" anchor="ctr"/>
+          <a:p>
+            <a:pPr algn="ctr">
+              <a:lnSpc>
+                <a:spcPct val="90000"/>
+              </a:lnSpc>
+            </a:pPr>
+            <a:r>
+              <a:rPr lang="en-US" altLang="zh-CN" sz="4000" b="1"/>
+              <a:t>-</a:t>
+            </a:r>
+            <a:endParaRPr lang="en-US" altLang="zh-CN" sz="4000" b="1"/>
+          </a:p>
+        </p:txBody>
+      </p:sp>
+      <p:sp>
+        <p:nvSpPr>
+          <p:cNvPr id="16" name="椭圆 15"/>
+          <p:cNvSpPr/>
+          <p:nvPr/>
+        </p:nvSpPr>
+        <p:spPr>
+          <a:xfrm>
+            <a:off x="1181100" y="2463165"/>
+            <a:ext cx="321310" cy="212090"/>
+          </a:xfrm>
+          <a:prstGeom prst="ellipse">
+            <a:avLst/>
+          </a:prstGeom>
+        </p:spPr>
+        <p:style>
+          <a:lnRef idx="2">
+            <a:schemeClr val="accent2">
+              <a:shade val="50000"/>
+            </a:schemeClr>
+          </a:lnRef>
+          <a:fillRef idx="1">
+            <a:schemeClr val="accent2"/>
+          </a:fillRef>
+          <a:effectRef idx="0">
+            <a:schemeClr val="accent2"/>
+          </a:effectRef>
+          <a:fontRef idx="minor">
+            <a:schemeClr val="lt1"/>
+          </a:fontRef>
+        </p:style>
+        <p:txBody>
+          <a:bodyPr rtlCol="0" anchor="ctr"/>
+          <a:p>
+            <a:pPr algn="ctr">
+              <a:lnSpc>
+                <a:spcPct val="90000"/>
+              </a:lnSpc>
+            </a:pPr>
+            <a:r>
+              <a:rPr lang="en-US" altLang="zh-CN" sz="4000" b="1"/>
+              <a:t>-</a:t>
+            </a:r>
+            <a:endParaRPr lang="en-US" altLang="zh-CN" sz="4000" b="1"/>
+          </a:p>
+        </p:txBody>
+      </p:sp>
+      <p:sp>
+        <p:nvSpPr>
+          <p:cNvPr id="20" name="矩形 19"/>
+          <p:cNvSpPr/>
+          <p:nvPr/>
+        </p:nvSpPr>
+        <p:spPr>
+          <a:xfrm>
+            <a:off x="2146300" y="2267585"/>
             <a:ext cx="621665" cy="176530"/>
           </a:xfrm>
           <a:prstGeom prst="rect">
@@ -4975,6 +5149,290 @@
             </a:r>
             <a:r>
               <a:rPr lang="en-US" altLang="zh-CN" sz="1000" b="1" baseline="-25000"/>
+              <a:t>2</a:t>
+            </a:r>
+            <a:endParaRPr lang="en-US" altLang="zh-CN" sz="1000" b="1" baseline="-25000"/>
+          </a:p>
+        </p:txBody>
+      </p:sp>
+      <p:sp>
+        <p:nvSpPr>
+          <p:cNvPr id="23" name="矩形 22"/>
+          <p:cNvSpPr/>
+          <p:nvPr/>
+        </p:nvSpPr>
+        <p:spPr>
+          <a:xfrm>
+            <a:off x="1005840" y="2270125"/>
+            <a:ext cx="621665" cy="176530"/>
+          </a:xfrm>
+          <a:prstGeom prst="rect">
+            <a:avLst/>
+          </a:prstGeom>
+        </p:spPr>
+        <p:style>
+          <a:lnRef idx="2">
+            <a:schemeClr val="accent1">
+              <a:shade val="50000"/>
+            </a:schemeClr>
+          </a:lnRef>
+          <a:fillRef idx="1">
+            <a:schemeClr val="accent1"/>
+          </a:fillRef>
+          <a:effectRef idx="0">
+            <a:schemeClr val="accent1"/>
+          </a:effectRef>
+          <a:fontRef idx="minor">
+            <a:schemeClr val="lt1"/>
+          </a:fontRef>
+        </p:style>
+        <p:txBody>
+          <a:bodyPr rtlCol="0" anchor="ctr"/>
+          <a:p>
+            <a:pPr algn="ctr"/>
+            <a:r>
+              <a:rPr lang="en-US" altLang="zh-CN" sz="1000" b="1"/>
+              <a:t>Record</a:t>
+            </a:r>
+            <a:r>
+              <a:rPr lang="en-US" altLang="zh-CN" sz="1000" b="1" baseline="-25000"/>
+              <a:t>3</a:t>
+            </a:r>
+            <a:endParaRPr lang="en-US" altLang="zh-CN" sz="1000" b="1" baseline="-25000"/>
+          </a:p>
+        </p:txBody>
+      </p:sp>
+      <p:sp>
+        <p:nvSpPr>
+          <p:cNvPr id="24" name="右箭头 23"/>
+          <p:cNvSpPr/>
+          <p:nvPr/>
+        </p:nvSpPr>
+        <p:spPr>
+          <a:xfrm>
+            <a:off x="7004685" y="1537335"/>
+            <a:ext cx="535305" cy="202565"/>
+          </a:xfrm>
+          <a:prstGeom prst="rightArrow">
+            <a:avLst/>
+          </a:prstGeom>
+          <a:gradFill>
+            <a:gsLst>
+              <a:gs pos="0">
+                <a:srgbClr val="14CD68"/>
+              </a:gs>
+              <a:gs pos="100000">
+                <a:srgbClr val="0B6E38"/>
+              </a:gs>
+            </a:gsLst>
+            <a:lin ang="5400000" scaled="0"/>
+          </a:gradFill>
+        </p:spPr>
+        <p:style>
+          <a:lnRef idx="2">
+            <a:schemeClr val="accent1">
+              <a:shade val="50000"/>
+            </a:schemeClr>
+          </a:lnRef>
+          <a:fillRef idx="1">
+            <a:schemeClr val="accent1"/>
+          </a:fillRef>
+          <a:effectRef idx="0">
+            <a:schemeClr val="accent1"/>
+          </a:effectRef>
+          <a:fontRef idx="minor">
+            <a:schemeClr val="lt1"/>
+          </a:fontRef>
+        </p:style>
+        <p:txBody>
+          <a:bodyPr rtlCol="0" anchor="ctr"/>
+          <a:p>
+            <a:pPr algn="ctr"/>
+            <a:endParaRPr lang="zh-CN" altLang="en-US"/>
+          </a:p>
+        </p:txBody>
+      </p:sp>
+      <p:sp>
+        <p:nvSpPr>
+          <p:cNvPr id="61" name="下弧形箭头 60"/>
+          <p:cNvSpPr/>
+          <p:nvPr/>
+        </p:nvSpPr>
+        <p:spPr>
+          <a:xfrm>
+            <a:off x="7802245" y="2293620"/>
+            <a:ext cx="1052830" cy="250825"/>
+          </a:xfrm>
+          <a:prstGeom prst="curvedUpArrow">
+            <a:avLst/>
+          </a:prstGeom>
+        </p:spPr>
+        <p:style>
+          <a:lnRef idx="2">
+            <a:schemeClr val="accent1">
+              <a:shade val="50000"/>
+            </a:schemeClr>
+          </a:lnRef>
+          <a:fillRef idx="1">
+            <a:schemeClr val="accent1"/>
+          </a:fillRef>
+          <a:effectRef idx="0">
+            <a:schemeClr val="accent1"/>
+          </a:effectRef>
+          <a:fontRef idx="minor">
+            <a:schemeClr val="lt1"/>
+          </a:fontRef>
+        </p:style>
+        <p:txBody>
+          <a:bodyPr rtlCol="0" anchor="ctr"/>
+          <a:p>
+            <a:pPr algn="ctr"/>
+            <a:endParaRPr lang="zh-CN" altLang="en-US">
+              <a:solidFill>
+                <a:schemeClr val="tx1"/>
+              </a:solidFill>
+            </a:endParaRPr>
+          </a:p>
+        </p:txBody>
+      </p:sp>
+      <p:sp>
+        <p:nvSpPr>
+          <p:cNvPr id="62" name="下弧形箭头 61"/>
+          <p:cNvSpPr/>
+          <p:nvPr/>
+        </p:nvSpPr>
+        <p:spPr>
+          <a:xfrm>
+            <a:off x="8855710" y="2293620"/>
+            <a:ext cx="1106170" cy="250825"/>
+          </a:xfrm>
+          <a:prstGeom prst="curvedUpArrow">
+            <a:avLst/>
+          </a:prstGeom>
+        </p:spPr>
+        <p:style>
+          <a:lnRef idx="2">
+            <a:schemeClr val="accent1">
+              <a:shade val="50000"/>
+            </a:schemeClr>
+          </a:lnRef>
+          <a:fillRef idx="1">
+            <a:schemeClr val="accent1"/>
+          </a:fillRef>
+          <a:effectRef idx="0">
+            <a:schemeClr val="accent1"/>
+          </a:effectRef>
+          <a:fontRef idx="minor">
+            <a:schemeClr val="lt1"/>
+          </a:fontRef>
+        </p:style>
+        <p:txBody>
+          <a:bodyPr rtlCol="0" anchor="ctr"/>
+          <a:p>
+            <a:pPr algn="ctr"/>
+            <a:endParaRPr lang="zh-CN" altLang="en-US">
+              <a:solidFill>
+                <a:schemeClr val="tx1"/>
+              </a:solidFill>
+            </a:endParaRPr>
+          </a:p>
+        </p:txBody>
+      </p:sp>
+      <p:sp>
+        <p:nvSpPr>
+          <p:cNvPr id="63" name="下弧形箭头 62"/>
+          <p:cNvSpPr/>
+          <p:nvPr/>
+        </p:nvSpPr>
+        <p:spPr>
+          <a:xfrm>
+            <a:off x="9961880" y="2293620"/>
+            <a:ext cx="1120775" cy="250825"/>
+          </a:xfrm>
+          <a:prstGeom prst="curvedUpArrow">
+            <a:avLst/>
+          </a:prstGeom>
+          <a:gradFill>
+            <a:gsLst>
+              <a:gs pos="0">
+                <a:srgbClr val="7B32B2"/>
+              </a:gs>
+              <a:gs pos="100000">
+                <a:srgbClr val="401A5D"/>
+              </a:gs>
+            </a:gsLst>
+            <a:lin ang="5400000" scaled="0"/>
+          </a:gradFill>
+        </p:spPr>
+        <p:style>
+          <a:lnRef idx="2">
+            <a:schemeClr val="accent1">
+              <a:shade val="50000"/>
+            </a:schemeClr>
+          </a:lnRef>
+          <a:fillRef idx="1">
+            <a:schemeClr val="accent1"/>
+          </a:fillRef>
+          <a:effectRef idx="0">
+            <a:schemeClr val="accent1"/>
+          </a:effectRef>
+          <a:fontRef idx="minor">
+            <a:schemeClr val="lt1"/>
+          </a:fontRef>
+        </p:style>
+        <p:txBody>
+          <a:bodyPr rtlCol="0" anchor="ctr"/>
+          <a:p>
+            <a:pPr algn="ctr"/>
+            <a:endParaRPr lang="zh-CN" altLang="en-US">
+              <a:solidFill>
+                <a:schemeClr val="tx1"/>
+              </a:solidFill>
+            </a:endParaRPr>
+          </a:p>
+        </p:txBody>
+      </p:sp>
+      <p:sp>
+        <p:nvSpPr>
+          <p:cNvPr id="64" name="矩形 63"/>
+          <p:cNvSpPr/>
+          <p:nvPr/>
+        </p:nvSpPr>
+        <p:spPr>
+          <a:xfrm>
+            <a:off x="8006715" y="2266950"/>
+            <a:ext cx="621665" cy="176530"/>
+          </a:xfrm>
+          <a:prstGeom prst="rect">
+            <a:avLst/>
+          </a:prstGeom>
+        </p:spPr>
+        <p:style>
+          <a:lnRef idx="2">
+            <a:schemeClr val="accent1">
+              <a:shade val="50000"/>
+            </a:schemeClr>
+          </a:lnRef>
+          <a:fillRef idx="1">
+            <a:schemeClr val="accent1"/>
+          </a:fillRef>
+          <a:effectRef idx="0">
+            <a:schemeClr val="accent1"/>
+          </a:effectRef>
+          <a:fontRef idx="minor">
+            <a:schemeClr val="lt1"/>
+          </a:fontRef>
+        </p:style>
+        <p:txBody>
+          <a:bodyPr rtlCol="0" anchor="ctr"/>
+          <a:p>
+            <a:pPr algn="ctr"/>
+            <a:r>
+              <a:rPr lang="en-US" altLang="zh-CN" sz="1000" b="1"/>
+              <a:t>Record</a:t>
+            </a:r>
+            <a:r>
+              <a:rPr lang="en-US" altLang="zh-CN" sz="1000" b="1" baseline="-25000"/>
               <a:t>1</a:t>
             </a:r>
             <a:endParaRPr lang="en-US" altLang="zh-CN" sz="1000" b="1" baseline="-25000"/>
@@ -4983,13 +5441,13 @@
       </p:sp>
       <p:sp>
         <p:nvSpPr>
-          <p:cNvPr id="90" name="椭圆 89"/>
+          <p:cNvPr id="69" name="椭圆 68"/>
           <p:cNvSpPr/>
           <p:nvPr/>
         </p:nvSpPr>
         <p:spPr>
           <a:xfrm>
-            <a:off x="3338830" y="2492375"/>
+            <a:off x="10314305" y="2472690"/>
             <a:ext cx="340360" cy="224155"/>
           </a:xfrm>
           <a:prstGeom prst="ellipse">
@@ -5021,276 +5479,119 @@
               </a:lnSpc>
             </a:pPr>
             <a:r>
-              <a:rPr lang="en-US" altLang="zh-CN" sz="4000" b="1"/>
-              <a:t>-</a:t>
-            </a:r>
-            <a:endParaRPr lang="en-US" altLang="zh-CN" sz="4000" b="1"/>
-          </a:p>
-        </p:txBody>
-      </p:sp>
-      <p:sp>
-        <p:nvSpPr>
-          <p:cNvPr id="101" name="文本框 100"/>
-          <p:cNvSpPr txBox="1"/>
-          <p:nvPr/>
-        </p:nvSpPr>
-        <p:spPr>
-          <a:xfrm>
-            <a:off x="7722870" y="2010410"/>
-            <a:ext cx="803275" cy="275590"/>
+              <a:rPr lang="en-US" altLang="zh-CN" sz="2800" b="1"/>
+              <a:t>+</a:t>
+            </a:r>
+            <a:endParaRPr lang="en-US" altLang="zh-CN" sz="2800" b="1"/>
+          </a:p>
+        </p:txBody>
+      </p:sp>
+      <p:sp>
+        <p:nvSpPr>
+          <p:cNvPr id="72" name="椭圆 71"/>
+          <p:cNvSpPr/>
+          <p:nvPr/>
+        </p:nvSpPr>
+        <p:spPr>
+          <a:xfrm>
+            <a:off x="9266555" y="2443480"/>
+            <a:ext cx="317500" cy="233680"/>
+          </a:xfrm>
+          <a:prstGeom prst="ellipse">
+            <a:avLst/>
+          </a:prstGeom>
+        </p:spPr>
+        <p:style>
+          <a:lnRef idx="2">
+            <a:schemeClr val="accent2">
+              <a:shade val="50000"/>
+            </a:schemeClr>
+          </a:lnRef>
+          <a:fillRef idx="1">
+            <a:schemeClr val="accent2"/>
+          </a:fillRef>
+          <a:effectRef idx="0">
+            <a:schemeClr val="accent2"/>
+          </a:effectRef>
+          <a:fontRef idx="minor">
+            <a:schemeClr val="lt1"/>
+          </a:fontRef>
+        </p:style>
+        <p:txBody>
+          <a:bodyPr rtlCol="0" anchor="ctr"/>
+          <a:p>
+            <a:pPr algn="ctr">
+              <a:lnSpc>
+                <a:spcPct val="90000"/>
+              </a:lnSpc>
+            </a:pPr>
+            <a:r>
+              <a:rPr lang="en-US" altLang="zh-CN" sz="2800" b="1"/>
+              <a:t>+</a:t>
+            </a:r>
+            <a:endParaRPr lang="en-US" altLang="zh-CN" sz="2800" b="1"/>
+          </a:p>
+        </p:txBody>
+      </p:sp>
+      <p:sp>
+        <p:nvSpPr>
+          <p:cNvPr id="77" name="椭圆 76"/>
+          <p:cNvSpPr/>
+          <p:nvPr/>
+        </p:nvSpPr>
+        <p:spPr>
+          <a:xfrm>
+            <a:off x="8156575" y="2443480"/>
+            <a:ext cx="321310" cy="212090"/>
+          </a:xfrm>
+          <a:prstGeom prst="ellipse">
+            <a:avLst/>
+          </a:prstGeom>
+        </p:spPr>
+        <p:style>
+          <a:lnRef idx="2">
+            <a:schemeClr val="accent2">
+              <a:shade val="50000"/>
+            </a:schemeClr>
+          </a:lnRef>
+          <a:fillRef idx="1">
+            <a:schemeClr val="accent2"/>
+          </a:fillRef>
+          <a:effectRef idx="0">
+            <a:schemeClr val="accent2"/>
+          </a:effectRef>
+          <a:fontRef idx="minor">
+            <a:schemeClr val="lt1"/>
+          </a:fontRef>
+        </p:style>
+        <p:txBody>
+          <a:bodyPr rtlCol="0" anchor="ctr"/>
+          <a:p>
+            <a:pPr algn="ctr">
+              <a:lnSpc>
+                <a:spcPct val="90000"/>
+              </a:lnSpc>
+            </a:pPr>
+            <a:r>
+              <a:rPr lang="en-US" altLang="zh-CN" sz="2800" b="1"/>
+              <a:t>+</a:t>
+            </a:r>
+            <a:endParaRPr lang="en-US" altLang="zh-CN" sz="2800" b="1"/>
+          </a:p>
+        </p:txBody>
+      </p:sp>
+      <p:sp>
+        <p:nvSpPr>
+          <p:cNvPr id="78" name="矩形 77"/>
+          <p:cNvSpPr/>
+          <p:nvPr/>
+        </p:nvSpPr>
+        <p:spPr>
+          <a:xfrm>
+            <a:off x="9102725" y="2266950"/>
+            <a:ext cx="621665" cy="176530"/>
           </a:xfrm>
           <a:prstGeom prst="rect">
-            <a:avLst/>
-          </a:prstGeom>
-          <a:noFill/>
-        </p:spPr>
-        <p:txBody>
-          <a:bodyPr wrap="square" rtlCol="0">
-            <a:spAutoFit/>
-          </a:bodyPr>
-          <a:p>
-            <a:r>
-              <a:rPr lang="en-US" altLang="zh-CN" sz="1200" b="1"/>
-              <a:t>PM0:140</a:t>
-            </a:r>
-            <a:endParaRPr lang="en-US" altLang="zh-CN" sz="1200" b="1"/>
-          </a:p>
-        </p:txBody>
-      </p:sp>
-      <p:sp>
-        <p:nvSpPr>
-          <p:cNvPr id="102" name="文本框 101"/>
-          <p:cNvSpPr txBox="1"/>
-          <p:nvPr/>
-        </p:nvSpPr>
-        <p:spPr>
-          <a:xfrm>
-            <a:off x="8752840" y="2004060"/>
-            <a:ext cx="802005" cy="275590"/>
-          </a:xfrm>
-          <a:prstGeom prst="rect">
-            <a:avLst/>
-          </a:prstGeom>
-          <a:noFill/>
-        </p:spPr>
-        <p:txBody>
-          <a:bodyPr wrap="square" rtlCol="0">
-            <a:spAutoFit/>
-          </a:bodyPr>
-          <a:p>
-            <a:r>
-              <a:rPr lang="en-US" altLang="zh-CN" sz="1200" b="1"/>
-              <a:t>PM1:340</a:t>
-            </a:r>
-            <a:endParaRPr lang="en-US" altLang="zh-CN" sz="1200" b="1"/>
-          </a:p>
-        </p:txBody>
-      </p:sp>
-      <p:sp>
-        <p:nvSpPr>
-          <p:cNvPr id="103" name="文本框 102"/>
-          <p:cNvSpPr txBox="1"/>
-          <p:nvPr/>
-        </p:nvSpPr>
-        <p:spPr>
-          <a:xfrm>
-            <a:off x="9692005" y="2027555"/>
-            <a:ext cx="817245" cy="275590"/>
-          </a:xfrm>
-          <a:prstGeom prst="rect">
-            <a:avLst/>
-          </a:prstGeom>
-          <a:noFill/>
-        </p:spPr>
-        <p:txBody>
-          <a:bodyPr wrap="square" rtlCol="0">
-            <a:spAutoFit/>
-          </a:bodyPr>
-          <a:p>
-            <a:r>
-              <a:rPr lang="en-US" altLang="zh-CN" sz="1200" b="1"/>
-              <a:t>PM2:540</a:t>
-            </a:r>
-            <a:endParaRPr lang="en-US" altLang="zh-CN" sz="1200" b="1"/>
-          </a:p>
-        </p:txBody>
-      </p:sp>
-      <p:sp>
-        <p:nvSpPr>
-          <p:cNvPr id="104" name="文本框 103"/>
-          <p:cNvSpPr txBox="1"/>
-          <p:nvPr/>
-        </p:nvSpPr>
-        <p:spPr>
-          <a:xfrm>
-            <a:off x="10509250" y="2004060"/>
-            <a:ext cx="783590" cy="245110"/>
-          </a:xfrm>
-          <a:prstGeom prst="rect">
-            <a:avLst/>
-          </a:prstGeom>
-          <a:noFill/>
-        </p:spPr>
-        <p:txBody>
-          <a:bodyPr wrap="square" rtlCol="0">
-            <a:spAutoFit/>
-          </a:bodyPr>
-          <a:p>
-            <a:pPr algn="l">
-              <a:buClrTx/>
-              <a:buSzTx/>
-              <a:buFontTx/>
-            </a:pPr>
-            <a:r>
-              <a:rPr lang="en-US" altLang="zh-CN" sz="1200" b="1"/>
-              <a:t>PM3:592</a:t>
-            </a:r>
-            <a:endParaRPr lang="en-US" altLang="zh-CN" sz="1200" b="1"/>
-          </a:p>
-        </p:txBody>
-      </p:sp>
-      <p:pic>
-        <p:nvPicPr>
-          <p:cNvPr id="13" name="图片 12"/>
-          <p:cNvPicPr>
-            <a:picLocks noChangeAspect="1"/>
-          </p:cNvPicPr>
-          <p:nvPr/>
-        </p:nvPicPr>
-        <p:blipFill>
-          <a:blip r:embed="rId5"/>
-          <a:stretch>
-            <a:fillRect/>
-          </a:stretch>
-        </p:blipFill>
-        <p:spPr>
-          <a:xfrm>
-            <a:off x="7722870" y="3705860"/>
-            <a:ext cx="812800" cy="812800"/>
-          </a:xfrm>
-          <a:prstGeom prst="rect">
-            <a:avLst/>
-          </a:prstGeom>
-        </p:spPr>
-      </p:pic>
-      <p:pic>
-        <p:nvPicPr>
-          <p:cNvPr id="31" name="图片 30"/>
-          <p:cNvPicPr>
-            <a:picLocks noChangeAspect="1"/>
-          </p:cNvPicPr>
-          <p:nvPr/>
-        </p:nvPicPr>
-        <p:blipFill>
-          <a:blip r:embed="rId6"/>
-          <a:stretch>
-            <a:fillRect/>
-          </a:stretch>
-        </p:blipFill>
-        <p:spPr>
-          <a:xfrm>
-            <a:off x="8775065" y="4058920"/>
-            <a:ext cx="406400" cy="406400"/>
-          </a:xfrm>
-          <a:prstGeom prst="rect">
-            <a:avLst/>
-          </a:prstGeom>
-        </p:spPr>
-      </p:pic>
-      <p:sp>
-        <p:nvSpPr>
-          <p:cNvPr id="34" name="文本框 33"/>
-          <p:cNvSpPr txBox="1"/>
-          <p:nvPr/>
-        </p:nvSpPr>
-        <p:spPr>
-          <a:xfrm>
-            <a:off x="8731885" y="4618355"/>
-            <a:ext cx="542925" cy="245110"/>
-          </a:xfrm>
-          <a:prstGeom prst="rect">
-            <a:avLst/>
-          </a:prstGeom>
-          <a:noFill/>
-        </p:spPr>
-        <p:txBody>
-          <a:bodyPr wrap="square" rtlCol="0">
-            <a:spAutoFit/>
-          </a:bodyPr>
-          <a:p>
-            <a:r>
-              <a:rPr lang="en-US" sz="1000"/>
-              <a:t>level1</a:t>
-            </a:r>
-            <a:endParaRPr lang="en-US" sz="1000"/>
-          </a:p>
-        </p:txBody>
-      </p:sp>
-      <p:sp>
-        <p:nvSpPr>
-          <p:cNvPr id="43" name="文本框 42"/>
-          <p:cNvSpPr txBox="1"/>
-          <p:nvPr/>
-        </p:nvSpPr>
-        <p:spPr>
-          <a:xfrm>
-            <a:off x="9387205" y="4618355"/>
-            <a:ext cx="635635" cy="245110"/>
-          </a:xfrm>
-          <a:prstGeom prst="rect">
-            <a:avLst/>
-          </a:prstGeom>
-          <a:noFill/>
-        </p:spPr>
-        <p:txBody>
-          <a:bodyPr wrap="square" rtlCol="0">
-            <a:spAutoFit/>
-          </a:bodyPr>
-          <a:p>
-            <a:r>
-              <a:rPr lang="en-US" sz="1000"/>
-              <a:t>level0</a:t>
-            </a:r>
-            <a:endParaRPr lang="en-US" sz="1000"/>
-          </a:p>
-        </p:txBody>
-      </p:sp>
-      <p:pic>
-        <p:nvPicPr>
-          <p:cNvPr id="6" name="图片 5"/>
-          <p:cNvPicPr>
-            <a:picLocks noChangeAspect="1"/>
-          </p:cNvPicPr>
-          <p:nvPr/>
-        </p:nvPicPr>
-        <p:blipFill>
-          <a:blip r:embed="rId7"/>
-          <a:stretch>
-            <a:fillRect/>
-          </a:stretch>
-        </p:blipFill>
-        <p:spPr>
-          <a:xfrm>
-            <a:off x="9580245" y="4290060"/>
-            <a:ext cx="203200" cy="203200"/>
-          </a:xfrm>
-          <a:prstGeom prst="rect">
-            <a:avLst/>
-          </a:prstGeom>
-        </p:spPr>
-      </p:pic>
-      <p:sp>
-        <p:nvSpPr>
-          <p:cNvPr id="32" name="下箭头 31"/>
-          <p:cNvSpPr/>
-          <p:nvPr/>
-        </p:nvSpPr>
-        <p:spPr>
-          <a:xfrm>
-            <a:off x="9044940" y="3086735"/>
-            <a:ext cx="836930" cy="230505"/>
-          </a:xfrm>
-          <a:prstGeom prst="downArrow">
             <a:avLst/>
           </a:prstGeom>
         </p:spPr>
@@ -5314,161 +5615,27 @@
           <a:bodyPr rtlCol="0" anchor="ctr"/>
           <a:p>
             <a:pPr algn="ctr"/>
-            <a:endParaRPr lang="zh-CN" altLang="en-US"/>
-          </a:p>
-        </p:txBody>
-      </p:sp>
-      <p:pic>
-        <p:nvPicPr>
-          <p:cNvPr id="33" name="图片 32"/>
-          <p:cNvPicPr>
-            <a:picLocks noChangeAspect="1"/>
-          </p:cNvPicPr>
-          <p:nvPr/>
-        </p:nvPicPr>
-        <p:blipFill>
-          <a:blip r:embed="rId8"/>
-          <a:stretch>
-            <a:fillRect/>
-          </a:stretch>
-        </p:blipFill>
-        <p:spPr>
-          <a:xfrm>
-            <a:off x="5036820" y="4307205"/>
-            <a:ext cx="998855" cy="1346200"/>
-          </a:xfrm>
-          <a:prstGeom prst="rect">
-            <a:avLst/>
-          </a:prstGeom>
-        </p:spPr>
-      </p:pic>
-      <p:pic>
-        <p:nvPicPr>
-          <p:cNvPr id="52" name="图片 51"/>
-          <p:cNvPicPr>
-            <a:picLocks noChangeAspect="1"/>
-          </p:cNvPicPr>
-          <p:nvPr/>
-        </p:nvPicPr>
-        <p:blipFill>
-          <a:blip r:embed="rId9"/>
-          <a:stretch>
-            <a:fillRect/>
-          </a:stretch>
-        </p:blipFill>
-        <p:spPr>
-          <a:xfrm>
-            <a:off x="890270" y="4104005"/>
-            <a:ext cx="902970" cy="1385570"/>
-          </a:xfrm>
-          <a:prstGeom prst="rect">
-            <a:avLst/>
-          </a:prstGeom>
-        </p:spPr>
-      </p:pic>
-      <p:sp>
-        <p:nvSpPr>
-          <p:cNvPr id="12" name="椭圆 11"/>
+            <a:r>
+              <a:rPr lang="en-US" altLang="zh-CN" sz="1000" b="1"/>
+              <a:t>Record</a:t>
+            </a:r>
+            <a:r>
+              <a:rPr lang="en-US" altLang="zh-CN" sz="1000" b="1" baseline="-25000"/>
+              <a:t>2</a:t>
+            </a:r>
+            <a:endParaRPr lang="en-US" altLang="zh-CN" sz="1000" b="1" baseline="-25000"/>
+          </a:p>
+        </p:txBody>
+      </p:sp>
+      <p:sp>
+        <p:nvSpPr>
+          <p:cNvPr id="79" name="矩形 78"/>
           <p:cNvSpPr/>
           <p:nvPr/>
         </p:nvSpPr>
         <p:spPr>
           <a:xfrm>
-            <a:off x="2291080" y="2463165"/>
-            <a:ext cx="317500" cy="233680"/>
-          </a:xfrm>
-          <a:prstGeom prst="ellipse">
-            <a:avLst/>
-          </a:prstGeom>
-        </p:spPr>
-        <p:style>
-          <a:lnRef idx="2">
-            <a:schemeClr val="accent2">
-              <a:shade val="50000"/>
-            </a:schemeClr>
-          </a:lnRef>
-          <a:fillRef idx="1">
-            <a:schemeClr val="accent2"/>
-          </a:fillRef>
-          <a:effectRef idx="0">
-            <a:schemeClr val="accent2"/>
-          </a:effectRef>
-          <a:fontRef idx="minor">
-            <a:schemeClr val="lt1"/>
-          </a:fontRef>
-        </p:style>
-        <p:txBody>
-          <a:bodyPr rtlCol="0" anchor="ctr"/>
-          <a:p>
-            <a:pPr algn="ctr">
-              <a:lnSpc>
-                <a:spcPct val="90000"/>
-              </a:lnSpc>
-            </a:pPr>
-            <a:r>
-              <a:rPr lang="en-US" altLang="zh-CN" sz="4000" b="1"/>
-              <a:t>-</a:t>
-            </a:r>
-            <a:endParaRPr lang="en-US" altLang="zh-CN" sz="4000" b="1"/>
-          </a:p>
-        </p:txBody>
-      </p:sp>
-      <p:sp>
-        <p:nvSpPr>
-          <p:cNvPr id="16" name="椭圆 15"/>
-          <p:cNvSpPr/>
-          <p:nvPr/>
-        </p:nvSpPr>
-        <p:spPr>
-          <a:xfrm>
-            <a:off x="1181100" y="2463165"/>
-            <a:ext cx="321310" cy="212090"/>
-          </a:xfrm>
-          <a:prstGeom prst="ellipse">
-            <a:avLst/>
-          </a:prstGeom>
-        </p:spPr>
-        <p:style>
-          <a:lnRef idx="2">
-            <a:schemeClr val="accent2">
-              <a:shade val="50000"/>
-            </a:schemeClr>
-          </a:lnRef>
-          <a:fillRef idx="1">
-            <a:schemeClr val="accent2"/>
-          </a:fillRef>
-          <a:effectRef idx="0">
-            <a:schemeClr val="accent2"/>
-          </a:effectRef>
-          <a:fontRef idx="minor">
-            <a:schemeClr val="lt1"/>
-          </a:fontRef>
-        </p:style>
-        <p:txBody>
-          <a:bodyPr rtlCol="0" anchor="ctr"/>
-          <a:p>
-            <a:pPr algn="ctr">
-              <a:lnSpc>
-                <a:spcPct val="90000"/>
-              </a:lnSpc>
-            </a:pPr>
-            <a:r>
-              <a:rPr lang="en-US" altLang="zh-CN" sz="4000" b="1"/>
-              <a:t>-</a:t>
-            </a:r>
-            <a:endParaRPr lang="en-US" altLang="zh-CN" sz="4000" b="1"/>
-          </a:p>
-        </p:txBody>
-      </p:sp>
-      <p:sp>
-        <p:nvSpPr>
-          <p:cNvPr id="20" name="矩形 19"/>
-          <p:cNvSpPr/>
-          <p:nvPr/>
-        </p:nvSpPr>
-        <p:spPr>
-          <a:xfrm>
-            <a:off x="2146300" y="2267585"/>
+            <a:off x="10220960" y="2266950"/>
             <a:ext cx="621665" cy="176530"/>
           </a:xfrm>
           <a:prstGeom prst="rect">
@@ -5501,7 +5668,7 @@
             </a:r>
             <a:r>
               <a:rPr lang="en-US" altLang="zh-CN" sz="1000" b="1" baseline="-25000"/>
-              <a:t>2</a:t>
+              <a:t>3</a:t>
             </a:r>
             <a:endParaRPr lang="en-US" altLang="zh-CN" sz="1000" b="1" baseline="-25000"/>
           </a:p>
@@ -5509,16 +5676,59 @@
       </p:sp>
       <p:sp>
         <p:nvSpPr>
-          <p:cNvPr id="23" name="矩形 22"/>
+          <p:cNvPr id="51" name="矩形 50"/>
           <p:cNvSpPr/>
           <p:nvPr/>
         </p:nvSpPr>
         <p:spPr>
           <a:xfrm>
-            <a:off x="1005840" y="2270125"/>
-            <a:ext cx="621665" cy="176530"/>
+            <a:off x="457200" y="3105785"/>
+            <a:ext cx="11276965" cy="3221355"/>
           </a:xfrm>
           <a:prstGeom prst="rect">
+            <a:avLst/>
+          </a:prstGeom>
+          <a:solidFill>
+            <a:schemeClr val="accent1">
+              <a:lumMod val="20000"/>
+              <a:lumOff val="80000"/>
+            </a:schemeClr>
+          </a:solidFill>
+        </p:spPr>
+        <p:style>
+          <a:lnRef idx="1">
+            <a:schemeClr val="accent3"/>
+          </a:lnRef>
+          <a:fillRef idx="2">
+            <a:schemeClr val="accent3"/>
+          </a:fillRef>
+          <a:effectRef idx="1">
+            <a:schemeClr val="accent3"/>
+          </a:effectRef>
+          <a:fontRef idx="minor">
+            <a:schemeClr val="dk1"/>
+          </a:fontRef>
+        </p:style>
+        <p:txBody>
+          <a:bodyPr rtlCol="0" anchor="ctr"/>
+          <a:p>
+            <a:pPr algn="ctr"/>
+            <a:endParaRPr lang="zh-CN" altLang="en-US"/>
+          </a:p>
+        </p:txBody>
+      </p:sp>
+      <p:sp>
+        <p:nvSpPr>
+          <p:cNvPr id="53" name="圆角矩形 52"/>
+          <p:cNvSpPr/>
+          <p:nvPr/>
+        </p:nvSpPr>
+        <p:spPr>
+          <a:xfrm>
+            <a:off x="593725" y="3010535"/>
+            <a:ext cx="1327785" cy="336550"/>
+          </a:xfrm>
+          <a:prstGeom prst="roundRect">
             <a:avLst/>
           </a:prstGeom>
         </p:spPr>
@@ -5543,42 +5753,99 @@
           <a:p>
             <a:pPr algn="ctr"/>
             <a:r>
-              <a:rPr lang="en-US" altLang="zh-CN" sz="1000" b="1"/>
-              <a:t>Record</a:t>
-            </a:r>
-            <a:r>
-              <a:rPr lang="en-US" altLang="zh-CN" sz="1000" b="1" baseline="-25000"/>
-              <a:t>3</a:t>
-            </a:r>
-            <a:endParaRPr lang="en-US" altLang="zh-CN" sz="1000" b="1" baseline="-25000"/>
-          </a:p>
-        </p:txBody>
-      </p:sp>
-      <p:sp>
-        <p:nvSpPr>
-          <p:cNvPr id="24" name="右箭头 23"/>
+              <a:rPr lang="zh-CN" altLang="en-US"/>
+              <a:t>动画处理</a:t>
+            </a:r>
+            <a:endParaRPr lang="zh-CN" altLang="en-US"/>
+          </a:p>
+        </p:txBody>
+      </p:sp>
+      <p:pic>
+        <p:nvPicPr>
+          <p:cNvPr id="54" name="图片 53"/>
+          <p:cNvPicPr>
+            <a:picLocks noChangeAspect="1"/>
+          </p:cNvPicPr>
+          <p:nvPr/>
+        </p:nvPicPr>
+        <p:blipFill>
+          <a:blip r:embed="rId5"/>
+          <a:stretch>
+            <a:fillRect/>
+          </a:stretch>
+        </p:blipFill>
+        <p:spPr>
+          <a:xfrm>
+            <a:off x="4657725" y="3138170"/>
+            <a:ext cx="1230630" cy="785495"/>
+          </a:xfrm>
+          <a:prstGeom prst="rect">
+            <a:avLst/>
+          </a:prstGeom>
+        </p:spPr>
+      </p:pic>
+      <p:pic>
+        <p:nvPicPr>
+          <p:cNvPr id="55" name="图片 54"/>
+          <p:cNvPicPr>
+            <a:picLocks noChangeAspect="1"/>
+          </p:cNvPicPr>
+          <p:nvPr/>
+        </p:nvPicPr>
+        <p:blipFill>
+          <a:blip r:embed="rId6"/>
+          <a:stretch>
+            <a:fillRect/>
+          </a:stretch>
+        </p:blipFill>
+        <p:spPr>
+          <a:xfrm>
+            <a:off x="518160" y="3986530"/>
+            <a:ext cx="998855" cy="1346200"/>
+          </a:xfrm>
+          <a:prstGeom prst="rect">
+            <a:avLst/>
+          </a:prstGeom>
+        </p:spPr>
+      </p:pic>
+      <p:pic>
+        <p:nvPicPr>
+          <p:cNvPr id="56" name="图片 1" descr="骨骼"/>
+          <p:cNvPicPr>
+            <a:picLocks noChangeAspect="1"/>
+          </p:cNvPicPr>
+          <p:nvPr/>
+        </p:nvPicPr>
+        <p:blipFill>
+          <a:blip r:embed="rId7"/>
+          <a:stretch>
+            <a:fillRect/>
+          </a:stretch>
+        </p:blipFill>
+        <p:spPr>
+          <a:xfrm>
+            <a:off x="3099435" y="3814128"/>
+            <a:ext cx="748030" cy="1689735"/>
+          </a:xfrm>
+          <a:prstGeom prst="rect">
+            <a:avLst/>
+          </a:prstGeom>
+        </p:spPr>
+      </p:pic>
+      <p:sp>
+        <p:nvSpPr>
+          <p:cNvPr id="57" name="右箭头 56"/>
           <p:cNvSpPr/>
           <p:nvPr/>
         </p:nvSpPr>
         <p:spPr>
           <a:xfrm>
-            <a:off x="7004685" y="1537335"/>
-            <a:ext cx="535305" cy="202565"/>
+            <a:off x="1591310" y="4149725"/>
+            <a:ext cx="1395095" cy="1053465"/>
           </a:xfrm>
           <a:prstGeom prst="rightArrow">
             <a:avLst/>
           </a:prstGeom>
-          <a:gradFill>
-            <a:gsLst>
-              <a:gs pos="0">
-                <a:srgbClr val="14CD68"/>
-              </a:gs>
-              <a:gs pos="100000">
-                <a:srgbClr val="0B6E38"/>
-              </a:gs>
-            </a:gsLst>
-            <a:lin ang="5400000" scaled="0"/>
-          </a:gradFill>
         </p:spPr>
         <p:style>
           <a:lnRef idx="2">
@@ -5599,23 +5866,38 @@
         <p:txBody>
           <a:bodyPr rtlCol="0" anchor="ctr"/>
           <a:p>
-            <a:pPr algn="ctr"/>
-            <a:endParaRPr lang="zh-CN" altLang="en-US"/>
-          </a:p>
-        </p:txBody>
-      </p:sp>
-      <p:sp>
-        <p:nvSpPr>
-          <p:cNvPr id="61" name="下弧形箭头 60"/>
+            <a:pPr algn="ctr" fontAlgn="auto">
+              <a:lnSpc>
+                <a:spcPts val="2160"/>
+              </a:lnSpc>
+              <a:buClrTx/>
+              <a:buSzTx/>
+              <a:buFontTx/>
+            </a:pPr>
+            <a:r>
+              <a:rPr lang="zh-CN" altLang="en-US" dirty="0">
+                <a:sym typeface="+mn-ea"/>
+              </a:rPr>
+              <a:t>骨骼的抽取与分析</a:t>
+            </a:r>
+            <a:endParaRPr lang="zh-CN" altLang="en-US" dirty="0">
+              <a:sym typeface="+mn-ea"/>
+            </a:endParaRPr>
+          </a:p>
+        </p:txBody>
+      </p:sp>
+      <p:sp>
+        <p:nvSpPr>
+          <p:cNvPr id="58" name="右箭头 57"/>
           <p:cNvSpPr/>
           <p:nvPr/>
         </p:nvSpPr>
         <p:spPr>
           <a:xfrm>
-            <a:off x="7802245" y="2293620"/>
-            <a:ext cx="1052830" cy="250825"/>
-          </a:xfrm>
-          <a:prstGeom prst="curvedUpArrow">
+            <a:off x="6167120" y="3159125"/>
+            <a:ext cx="1708785" cy="504825"/>
+          </a:xfrm>
+          <a:prstGeom prst="rightArrow">
             <a:avLst/>
           </a:prstGeom>
         </p:spPr>
@@ -5638,27 +5920,68 @@
         <p:txBody>
           <a:bodyPr rtlCol="0" anchor="ctr"/>
           <a:p>
-            <a:pPr algn="ctr"/>
-            <a:endParaRPr lang="zh-CN" altLang="en-US">
-              <a:solidFill>
-                <a:schemeClr val="tx1"/>
-              </a:solidFill>
+            <a:pPr algn="ctr" fontAlgn="auto">
+              <a:lnSpc>
+                <a:spcPts val="2160"/>
+              </a:lnSpc>
+              <a:buClrTx/>
+              <a:buSzTx/>
+              <a:buFontTx/>
+            </a:pPr>
+            <a:r>
+              <a:rPr lang="zh-CN" altLang="en-US" dirty="0">
+                <a:sym typeface="+mn-ea"/>
+              </a:rPr>
+              <a:t>制作起始</a:t>
+            </a:r>
+            <a:r>
+              <a:rPr lang="zh-CN" altLang="en-US">
+                <a:sym typeface="+mn-ea"/>
+              </a:rPr>
+              <a:t>帧</a:t>
+            </a:r>
+            <a:endParaRPr lang="zh-CN" altLang="en-US" dirty="0">
+              <a:sym typeface="+mn-ea"/>
             </a:endParaRPr>
           </a:p>
         </p:txBody>
       </p:sp>
-      <p:sp>
-        <p:nvSpPr>
-          <p:cNvPr id="62" name="下弧形箭头 61"/>
+      <p:pic>
+        <p:nvPicPr>
+          <p:cNvPr id="59" name="图片 58"/>
+          <p:cNvPicPr>
+            <a:picLocks noChangeAspect="1"/>
+          </p:cNvPicPr>
+          <p:nvPr/>
+        </p:nvPicPr>
+        <p:blipFill>
+          <a:blip r:embed="rId5"/>
+          <a:stretch>
+            <a:fillRect/>
+          </a:stretch>
+        </p:blipFill>
+        <p:spPr>
+          <a:xfrm>
+            <a:off x="4657725" y="5203190"/>
+            <a:ext cx="1230630" cy="785495"/>
+          </a:xfrm>
+          <a:prstGeom prst="rect">
+            <a:avLst/>
+          </a:prstGeom>
+        </p:spPr>
+      </p:pic>
+      <p:sp>
+        <p:nvSpPr>
+          <p:cNvPr id="60" name="右箭头 59"/>
           <p:cNvSpPr/>
           <p:nvPr/>
         </p:nvSpPr>
         <p:spPr>
           <a:xfrm>
-            <a:off x="8855710" y="2293620"/>
-            <a:ext cx="1106170" cy="250825"/>
-          </a:xfrm>
-          <a:prstGeom prst="curvedUpArrow">
+            <a:off x="6167120" y="5711190"/>
+            <a:ext cx="1708785" cy="504825"/>
+          </a:xfrm>
+          <a:prstGeom prst="rightArrow">
             <a:avLst/>
           </a:prstGeom>
         </p:spPr>
@@ -5681,40 +6004,271 @@
         <p:txBody>
           <a:bodyPr rtlCol="0" anchor="ctr"/>
           <a:p>
+            <a:pPr algn="ctr" fontAlgn="auto">
+              <a:lnSpc>
+                <a:spcPts val="2160"/>
+              </a:lnSpc>
+              <a:buClrTx/>
+              <a:buSzTx/>
+              <a:buFontTx/>
+            </a:pPr>
+            <a:r>
+              <a:rPr lang="zh-CN" altLang="en-US" dirty="0">
+                <a:sym typeface="+mn-ea"/>
+              </a:rPr>
+              <a:t>制作结束</a:t>
+            </a:r>
+            <a:r>
+              <a:rPr lang="zh-CN" altLang="en-US">
+                <a:sym typeface="+mn-ea"/>
+              </a:rPr>
+              <a:t>帧</a:t>
+            </a:r>
+            <a:endParaRPr lang="zh-CN" altLang="en-US" dirty="0">
+              <a:sym typeface="+mn-ea"/>
+            </a:endParaRPr>
+          </a:p>
+        </p:txBody>
+      </p:sp>
+      <p:sp>
+        <p:nvSpPr>
+          <p:cNvPr id="68" name="文本框 67"/>
+          <p:cNvSpPr txBox="1"/>
+          <p:nvPr/>
+        </p:nvSpPr>
+        <p:spPr>
+          <a:xfrm>
+            <a:off x="4714875" y="3986530"/>
+            <a:ext cx="1221740" cy="337185"/>
+          </a:xfrm>
+          <a:prstGeom prst="rect">
+            <a:avLst/>
+          </a:prstGeom>
+          <a:noFill/>
+        </p:spPr>
+        <p:txBody>
+          <a:bodyPr wrap="square" rtlCol="0">
+            <a:spAutoFit/>
+          </a:bodyPr>
+          <a:p>
+            <a:r>
+              <a:rPr lang="zh-CN" altLang="en-US" sz="1600"/>
+              <a:t>动作编辑器</a:t>
+            </a:r>
+            <a:endParaRPr lang="zh-CN" altLang="en-US" sz="1600"/>
+          </a:p>
+        </p:txBody>
+      </p:sp>
+      <p:sp>
+        <p:nvSpPr>
+          <p:cNvPr id="85" name="左大括号 84"/>
+          <p:cNvSpPr/>
+          <p:nvPr/>
+        </p:nvSpPr>
+        <p:spPr>
+          <a:xfrm>
+            <a:off x="4239895" y="3295650"/>
+            <a:ext cx="284480" cy="2908300"/>
+          </a:xfrm>
+          <a:prstGeom prst="leftBrace">
+            <a:avLst/>
+          </a:prstGeom>
+        </p:spPr>
+        <p:style>
+          <a:lnRef idx="1">
+            <a:schemeClr val="accent1"/>
+          </a:lnRef>
+          <a:fillRef idx="0">
+            <a:schemeClr val="accent1"/>
+          </a:fillRef>
+          <a:effectRef idx="0">
+            <a:schemeClr val="accent1"/>
+          </a:effectRef>
+          <a:fontRef idx="minor">
+            <a:schemeClr val="tx1"/>
+          </a:fontRef>
+        </p:style>
+        <p:txBody>
+          <a:bodyPr rtlCol="0" anchor="ctr"/>
+          <a:p>
             <a:pPr algn="ctr"/>
-            <a:endParaRPr lang="zh-CN" altLang="en-US">
-              <a:solidFill>
-                <a:schemeClr val="tx1"/>
-              </a:solidFill>
-            </a:endParaRPr>
-          </a:p>
-        </p:txBody>
-      </p:sp>
-      <p:sp>
-        <p:nvSpPr>
-          <p:cNvPr id="63" name="下弧形箭头 62"/>
+            <a:endParaRPr lang="zh-CN" altLang="en-US"/>
+          </a:p>
+        </p:txBody>
+      </p:sp>
+      <p:pic>
+        <p:nvPicPr>
+          <p:cNvPr id="87" name="图片 86"/>
+          <p:cNvPicPr>
+            <a:picLocks noChangeAspect="1"/>
+          </p:cNvPicPr>
+          <p:nvPr/>
+        </p:nvPicPr>
+        <p:blipFill>
+          <a:blip r:embed="rId8"/>
+          <a:stretch>
+            <a:fillRect/>
+          </a:stretch>
+        </p:blipFill>
+        <p:spPr>
+          <a:xfrm>
+            <a:off x="8128635" y="4406265"/>
+            <a:ext cx="224155" cy="407035"/>
+          </a:xfrm>
+          <a:prstGeom prst="rect">
+            <a:avLst/>
+          </a:prstGeom>
+        </p:spPr>
+      </p:pic>
+      <p:pic>
+        <p:nvPicPr>
+          <p:cNvPr id="88" name="图片 87"/>
+          <p:cNvPicPr>
+            <a:picLocks noChangeAspect="1"/>
+          </p:cNvPicPr>
+          <p:nvPr/>
+        </p:nvPicPr>
+        <p:blipFill>
+          <a:blip r:embed="rId9"/>
+          <a:stretch>
+            <a:fillRect/>
+          </a:stretch>
+        </p:blipFill>
+        <p:spPr>
+          <a:xfrm>
+            <a:off x="8094980" y="3796030"/>
+            <a:ext cx="262890" cy="465455"/>
+          </a:xfrm>
+          <a:prstGeom prst="rect">
+            <a:avLst/>
+          </a:prstGeom>
+        </p:spPr>
+      </p:pic>
+      <p:pic>
+        <p:nvPicPr>
+          <p:cNvPr id="91" name="图片 90"/>
+          <p:cNvPicPr>
+            <a:picLocks noChangeAspect="1"/>
+          </p:cNvPicPr>
+          <p:nvPr/>
+        </p:nvPicPr>
+        <p:blipFill>
+          <a:blip r:embed="rId10"/>
+          <a:stretch>
+            <a:fillRect/>
+          </a:stretch>
+        </p:blipFill>
+        <p:spPr>
+          <a:xfrm>
+            <a:off x="8115300" y="5033010"/>
+            <a:ext cx="217805" cy="433070"/>
+          </a:xfrm>
+          <a:prstGeom prst="rect">
+            <a:avLst/>
+          </a:prstGeom>
+        </p:spPr>
+      </p:pic>
+      <p:pic>
+        <p:nvPicPr>
+          <p:cNvPr id="92" name="图片 91"/>
+          <p:cNvPicPr>
+            <a:picLocks noChangeAspect="1"/>
+          </p:cNvPicPr>
+          <p:nvPr/>
+        </p:nvPicPr>
+        <p:blipFill>
+          <a:blip r:embed="rId11"/>
+          <a:stretch>
+            <a:fillRect/>
+          </a:stretch>
+        </p:blipFill>
+        <p:spPr>
+          <a:xfrm>
+            <a:off x="8021955" y="5699125"/>
+            <a:ext cx="311150" cy="516890"/>
+          </a:xfrm>
+          <a:prstGeom prst="rect">
+            <a:avLst/>
+          </a:prstGeom>
+        </p:spPr>
+      </p:pic>
+      <p:pic>
+        <p:nvPicPr>
+          <p:cNvPr id="93" name="图片 92"/>
+          <p:cNvPicPr>
+            <a:picLocks noChangeAspect="1"/>
+          </p:cNvPicPr>
+          <p:nvPr/>
+        </p:nvPicPr>
+        <p:blipFill>
+          <a:blip r:embed="rId12"/>
+          <a:stretch>
+            <a:fillRect/>
+          </a:stretch>
+        </p:blipFill>
+        <p:spPr>
+          <a:xfrm>
+            <a:off x="8097520" y="3188335"/>
+            <a:ext cx="245745" cy="433070"/>
+          </a:xfrm>
+          <a:prstGeom prst="rect">
+            <a:avLst/>
+          </a:prstGeom>
+        </p:spPr>
+      </p:pic>
+      <p:sp>
+        <p:nvSpPr>
+          <p:cNvPr id="95" name="文本框 94"/>
+          <p:cNvSpPr txBox="1"/>
+          <p:nvPr/>
+        </p:nvSpPr>
+        <p:spPr>
+          <a:xfrm>
+            <a:off x="4657725" y="5989955"/>
+            <a:ext cx="1221740" cy="337185"/>
+          </a:xfrm>
+          <a:prstGeom prst="rect">
+            <a:avLst/>
+          </a:prstGeom>
+          <a:noFill/>
+        </p:spPr>
+        <p:txBody>
+          <a:bodyPr wrap="square" rtlCol="0">
+            <a:spAutoFit/>
+          </a:bodyPr>
+          <a:p>
+            <a:r>
+              <a:rPr lang="zh-CN" altLang="en-US" sz="1600"/>
+              <a:t>动作编辑器</a:t>
+            </a:r>
+            <a:endParaRPr lang="zh-CN" altLang="en-US" sz="1600"/>
+          </a:p>
+        </p:txBody>
+      </p:sp>
+      <p:sp>
+        <p:nvSpPr>
+          <p:cNvPr id="96" name="矩形 95"/>
           <p:cNvSpPr/>
           <p:nvPr/>
         </p:nvSpPr>
         <p:spPr>
           <a:xfrm>
-            <a:off x="9961880" y="2293620"/>
-            <a:ext cx="1120775" cy="250825"/>
-          </a:xfrm>
-          <a:prstGeom prst="curvedUpArrow">
-            <a:avLst/>
-          </a:prstGeom>
-          <a:gradFill>
-            <a:gsLst>
-              <a:gs pos="0">
-                <a:srgbClr val="7B32B2"/>
-              </a:gs>
-              <a:gs pos="100000">
-                <a:srgbClr val="401A5D"/>
-              </a:gs>
-            </a:gsLst>
-            <a:lin ang="5400000" scaled="0"/>
-          </a:gradFill>
+            <a:off x="7984490" y="3143885"/>
+            <a:ext cx="1541780" cy="477520"/>
+          </a:xfrm>
+          <a:prstGeom prst="rect">
+            <a:avLst/>
+          </a:prstGeom>
+          <a:noFill/>
+          <a:ln w="28575">
+            <a:solidFill>
+              <a:schemeClr val="accent2">
+                <a:lumMod val="60000"/>
+                <a:lumOff val="40000"/>
+              </a:schemeClr>
+            </a:solidFill>
+            <a:prstDash val="sysDash"/>
+          </a:ln>
         </p:spPr>
         <p:style>
           <a:lnRef idx="2">
@@ -5736,28 +6290,274 @@
           <a:bodyPr rtlCol="0" anchor="ctr"/>
           <a:p>
             <a:pPr algn="ctr"/>
-            <a:endParaRPr lang="zh-CN" altLang="en-US">
-              <a:solidFill>
-                <a:schemeClr val="tx1"/>
-              </a:solidFill>
-            </a:endParaRPr>
-          </a:p>
-        </p:txBody>
-      </p:sp>
-      <p:sp>
-        <p:nvSpPr>
-          <p:cNvPr id="64" name="矩形 63"/>
+            <a:endParaRPr lang="zh-CN" altLang="en-US"/>
+          </a:p>
+        </p:txBody>
+      </p:sp>
+      <p:pic>
+        <p:nvPicPr>
+          <p:cNvPr id="109" name="图片 108"/>
+          <p:cNvPicPr>
+            <a:picLocks noChangeAspect="1"/>
+          </p:cNvPicPr>
+          <p:nvPr/>
+        </p:nvPicPr>
+        <p:blipFill>
+          <a:blip r:embed="rId13"/>
+          <a:stretch>
+            <a:fillRect/>
+          </a:stretch>
+        </p:blipFill>
+        <p:spPr>
+          <a:xfrm>
+            <a:off x="8493760" y="3210560"/>
+            <a:ext cx="251460" cy="368935"/>
+          </a:xfrm>
+          <a:prstGeom prst="rect">
+            <a:avLst/>
+          </a:prstGeom>
+        </p:spPr>
+      </p:pic>
+      <p:pic>
+        <p:nvPicPr>
+          <p:cNvPr id="110" name="图片 109"/>
+          <p:cNvPicPr>
+            <a:picLocks noChangeAspect="1"/>
+          </p:cNvPicPr>
+          <p:nvPr/>
+        </p:nvPicPr>
+        <p:blipFill>
+          <a:blip r:embed="rId14"/>
+          <a:stretch>
+            <a:fillRect/>
+          </a:stretch>
+        </p:blipFill>
+        <p:spPr>
+          <a:xfrm>
+            <a:off x="8498840" y="3814445"/>
+            <a:ext cx="281305" cy="473710"/>
+          </a:xfrm>
+          <a:prstGeom prst="rect">
+            <a:avLst/>
+          </a:prstGeom>
+        </p:spPr>
+      </p:pic>
+      <p:pic>
+        <p:nvPicPr>
+          <p:cNvPr id="111" name="图片 110"/>
+          <p:cNvPicPr>
+            <a:picLocks noChangeAspect="1"/>
+          </p:cNvPicPr>
+          <p:nvPr/>
+        </p:nvPicPr>
+        <p:blipFill>
+          <a:blip r:embed="rId15"/>
+          <a:stretch>
+            <a:fillRect/>
+          </a:stretch>
+        </p:blipFill>
+        <p:spPr>
+          <a:xfrm>
+            <a:off x="8493760" y="4406265"/>
+            <a:ext cx="286385" cy="462280"/>
+          </a:xfrm>
+          <a:prstGeom prst="rect">
+            <a:avLst/>
+          </a:prstGeom>
+        </p:spPr>
+      </p:pic>
+      <p:pic>
+        <p:nvPicPr>
+          <p:cNvPr id="112" name="图片 111"/>
+          <p:cNvPicPr>
+            <a:picLocks noChangeAspect="1"/>
+          </p:cNvPicPr>
+          <p:nvPr/>
+        </p:nvPicPr>
+        <p:blipFill>
+          <a:blip r:embed="rId16"/>
+          <a:stretch>
+            <a:fillRect/>
+          </a:stretch>
+        </p:blipFill>
+        <p:spPr>
+          <a:xfrm>
+            <a:off x="8498840" y="5033010"/>
+            <a:ext cx="285750" cy="471170"/>
+          </a:xfrm>
+          <a:prstGeom prst="rect">
+            <a:avLst/>
+          </a:prstGeom>
+        </p:spPr>
+      </p:pic>
+      <p:pic>
+        <p:nvPicPr>
+          <p:cNvPr id="113" name="图片 112"/>
+          <p:cNvPicPr>
+            <a:picLocks noChangeAspect="1"/>
+          </p:cNvPicPr>
+          <p:nvPr/>
+        </p:nvPicPr>
+        <p:blipFill>
+          <a:blip r:embed="rId17"/>
+          <a:stretch>
+            <a:fillRect/>
+          </a:stretch>
+        </p:blipFill>
+        <p:spPr>
+          <a:xfrm>
+            <a:off x="8587105" y="5741035"/>
+            <a:ext cx="285750" cy="462915"/>
+          </a:xfrm>
+          <a:prstGeom prst="rect">
+            <a:avLst/>
+          </a:prstGeom>
+        </p:spPr>
+      </p:pic>
+      <p:pic>
+        <p:nvPicPr>
+          <p:cNvPr id="114" name="图片 113"/>
+          <p:cNvPicPr>
+            <a:picLocks noChangeAspect="1"/>
+          </p:cNvPicPr>
+          <p:nvPr/>
+        </p:nvPicPr>
+        <p:blipFill>
+          <a:blip r:embed="rId18"/>
+          <a:stretch>
+            <a:fillRect/>
+          </a:stretch>
+        </p:blipFill>
+        <p:spPr>
+          <a:xfrm>
+            <a:off x="9143365" y="3190875"/>
+            <a:ext cx="189230" cy="382905"/>
+          </a:xfrm>
+          <a:prstGeom prst="rect">
+            <a:avLst/>
+          </a:prstGeom>
+        </p:spPr>
+      </p:pic>
+      <p:pic>
+        <p:nvPicPr>
+          <p:cNvPr id="115" name="图片 114"/>
+          <p:cNvPicPr>
+            <a:picLocks noChangeAspect="1"/>
+          </p:cNvPicPr>
+          <p:nvPr/>
+        </p:nvPicPr>
+        <p:blipFill>
+          <a:blip r:embed="rId19"/>
+          <a:stretch>
+            <a:fillRect/>
+          </a:stretch>
+        </p:blipFill>
+        <p:spPr>
+          <a:xfrm>
+            <a:off x="9138920" y="3786505"/>
+            <a:ext cx="203200" cy="465455"/>
+          </a:xfrm>
+          <a:prstGeom prst="rect">
+            <a:avLst/>
+          </a:prstGeom>
+        </p:spPr>
+      </p:pic>
+      <p:pic>
+        <p:nvPicPr>
+          <p:cNvPr id="116" name="图片 115"/>
+          <p:cNvPicPr>
+            <a:picLocks noChangeAspect="1"/>
+          </p:cNvPicPr>
+          <p:nvPr/>
+        </p:nvPicPr>
+        <p:blipFill>
+          <a:blip r:embed="rId20"/>
+          <a:stretch>
+            <a:fillRect/>
+          </a:stretch>
+        </p:blipFill>
+        <p:spPr>
+          <a:xfrm>
+            <a:off x="9168765" y="4402455"/>
+            <a:ext cx="193675" cy="410845"/>
+          </a:xfrm>
+          <a:prstGeom prst="rect">
+            <a:avLst/>
+          </a:prstGeom>
+        </p:spPr>
+      </p:pic>
+      <p:pic>
+        <p:nvPicPr>
+          <p:cNvPr id="117" name="图片 116"/>
+          <p:cNvPicPr>
+            <a:picLocks noChangeAspect="1"/>
+          </p:cNvPicPr>
+          <p:nvPr/>
+        </p:nvPicPr>
+        <p:blipFill>
+          <a:blip r:embed="rId21"/>
+          <a:stretch>
+            <a:fillRect/>
+          </a:stretch>
+        </p:blipFill>
+        <p:spPr>
+          <a:xfrm>
+            <a:off x="9138920" y="4977130"/>
+            <a:ext cx="231775" cy="497205"/>
+          </a:xfrm>
+          <a:prstGeom prst="rect">
+            <a:avLst/>
+          </a:prstGeom>
+        </p:spPr>
+      </p:pic>
+      <p:pic>
+        <p:nvPicPr>
+          <p:cNvPr id="118" name="图片 117"/>
+          <p:cNvPicPr>
+            <a:picLocks noChangeAspect="1"/>
+          </p:cNvPicPr>
+          <p:nvPr/>
+        </p:nvPicPr>
+        <p:blipFill>
+          <a:blip r:embed="rId22"/>
+          <a:stretch>
+            <a:fillRect/>
+          </a:stretch>
+        </p:blipFill>
+        <p:spPr>
+          <a:xfrm>
+            <a:off x="9145905" y="5690235"/>
+            <a:ext cx="216535" cy="487045"/>
+          </a:xfrm>
+          <a:prstGeom prst="rect">
+            <a:avLst/>
+          </a:prstGeom>
+        </p:spPr>
+      </p:pic>
+      <p:sp>
+        <p:nvSpPr>
+          <p:cNvPr id="119" name="矩形 118"/>
           <p:cNvSpPr/>
           <p:nvPr/>
         </p:nvSpPr>
         <p:spPr>
           <a:xfrm>
-            <a:off x="8006715" y="2266950"/>
-            <a:ext cx="621665" cy="176530"/>
+            <a:off x="7983855" y="5652135"/>
+            <a:ext cx="1541780" cy="579120"/>
           </a:xfrm>
           <a:prstGeom prst="rect">
             <a:avLst/>
           </a:prstGeom>
+          <a:noFill/>
+          <a:ln w="28575">
+            <a:solidFill>
+              <a:schemeClr val="accent2">
+                <a:lumMod val="60000"/>
+                <a:lumOff val="40000"/>
+              </a:schemeClr>
+            </a:solidFill>
+            <a:prstDash val="sysDash"/>
+          </a:ln>
         </p:spPr>
         <p:style>
           <a:lnRef idx="2">
@@ -5779,171 +6579,59 @@
           <a:bodyPr rtlCol="0" anchor="ctr"/>
           <a:p>
             <a:pPr algn="ctr"/>
-            <a:r>
-              <a:rPr lang="en-US" altLang="zh-CN" sz="1000" b="1"/>
-              <a:t>Record</a:t>
-            </a:r>
-            <a:r>
-              <a:rPr lang="en-US" altLang="zh-CN" sz="1000" b="1" baseline="-25000"/>
-              <a:t>1</a:t>
-            </a:r>
-            <a:endParaRPr lang="en-US" altLang="zh-CN" sz="1000" b="1" baseline="-25000"/>
-          </a:p>
-        </p:txBody>
-      </p:sp>
-      <p:sp>
-        <p:nvSpPr>
-          <p:cNvPr id="69" name="椭圆 68"/>
+            <a:endParaRPr lang="zh-CN" altLang="en-US"/>
+          </a:p>
+        </p:txBody>
+      </p:sp>
+      <p:sp>
+        <p:nvSpPr>
+          <p:cNvPr id="120" name="右大括号 119"/>
           <p:cNvSpPr/>
           <p:nvPr/>
         </p:nvSpPr>
         <p:spPr>
           <a:xfrm>
-            <a:off x="10314305" y="2472690"/>
-            <a:ext cx="340360" cy="224155"/>
-          </a:xfrm>
-          <a:prstGeom prst="ellipse">
+            <a:off x="9624695" y="3749040"/>
+            <a:ext cx="134620" cy="1684020"/>
+          </a:xfrm>
+          <a:prstGeom prst="rightBrace">
             <a:avLst/>
           </a:prstGeom>
         </p:spPr>
         <p:style>
-          <a:lnRef idx="2">
-            <a:schemeClr val="accent2">
-              <a:shade val="50000"/>
-            </a:schemeClr>
+          <a:lnRef idx="1">
+            <a:schemeClr val="accent1"/>
           </a:lnRef>
-          <a:fillRef idx="1">
-            <a:schemeClr val="accent2"/>
+          <a:fillRef idx="0">
+            <a:schemeClr val="accent1"/>
           </a:fillRef>
           <a:effectRef idx="0">
-            <a:schemeClr val="accent2"/>
+            <a:schemeClr val="accent1"/>
           </a:effectRef>
           <a:fontRef idx="minor">
-            <a:schemeClr val="lt1"/>
+            <a:schemeClr val="tx1"/>
           </a:fontRef>
         </p:style>
         <p:txBody>
           <a:bodyPr rtlCol="0" anchor="ctr"/>
           <a:p>
-            <a:pPr algn="ctr">
-              <a:lnSpc>
-                <a:spcPct val="90000"/>
-              </a:lnSpc>
-            </a:pPr>
-            <a:r>
-              <a:rPr lang="en-US" altLang="zh-CN" sz="2800" b="1"/>
-              <a:t>+</a:t>
-            </a:r>
-            <a:endParaRPr lang="en-US" altLang="zh-CN" sz="2800" b="1"/>
-          </a:p>
-        </p:txBody>
-      </p:sp>
-      <p:sp>
-        <p:nvSpPr>
-          <p:cNvPr id="72" name="椭圆 71"/>
+            <a:pPr algn="ctr"/>
+            <a:endParaRPr lang="zh-CN" altLang="en-US"/>
+          </a:p>
+        </p:txBody>
+      </p:sp>
+      <p:sp>
+        <p:nvSpPr>
+          <p:cNvPr id="121" name="圆角矩形 120"/>
           <p:cNvSpPr/>
           <p:nvPr/>
         </p:nvSpPr>
         <p:spPr>
           <a:xfrm>
-            <a:off x="9266555" y="2443480"/>
-            <a:ext cx="317500" cy="233680"/>
-          </a:xfrm>
-          <a:prstGeom prst="ellipse">
-            <a:avLst/>
-          </a:prstGeom>
-        </p:spPr>
-        <p:style>
-          <a:lnRef idx="2">
-            <a:schemeClr val="accent2">
-              <a:shade val="50000"/>
-            </a:schemeClr>
-          </a:lnRef>
-          <a:fillRef idx="1">
-            <a:schemeClr val="accent2"/>
-          </a:fillRef>
-          <a:effectRef idx="0">
-            <a:schemeClr val="accent2"/>
-          </a:effectRef>
-          <a:fontRef idx="minor">
-            <a:schemeClr val="lt1"/>
-          </a:fontRef>
-        </p:style>
-        <p:txBody>
-          <a:bodyPr rtlCol="0" anchor="ctr"/>
-          <a:p>
-            <a:pPr algn="ctr">
-              <a:lnSpc>
-                <a:spcPct val="90000"/>
-              </a:lnSpc>
-            </a:pPr>
-            <a:r>
-              <a:rPr lang="en-US" altLang="zh-CN" sz="2800" b="1"/>
-              <a:t>+</a:t>
-            </a:r>
-            <a:endParaRPr lang="en-US" altLang="zh-CN" sz="2800" b="1"/>
-          </a:p>
-        </p:txBody>
-      </p:sp>
-      <p:sp>
-        <p:nvSpPr>
-          <p:cNvPr id="77" name="椭圆 76"/>
-          <p:cNvSpPr/>
-          <p:nvPr/>
-        </p:nvSpPr>
-        <p:spPr>
-          <a:xfrm>
-            <a:off x="8156575" y="2443480"/>
-            <a:ext cx="321310" cy="212090"/>
-          </a:xfrm>
-          <a:prstGeom prst="ellipse">
-            <a:avLst/>
-          </a:prstGeom>
-        </p:spPr>
-        <p:style>
-          <a:lnRef idx="2">
-            <a:schemeClr val="accent2">
-              <a:shade val="50000"/>
-            </a:schemeClr>
-          </a:lnRef>
-          <a:fillRef idx="1">
-            <a:schemeClr val="accent2"/>
-          </a:fillRef>
-          <a:effectRef idx="0">
-            <a:schemeClr val="accent2"/>
-          </a:effectRef>
-          <a:fontRef idx="minor">
-            <a:schemeClr val="lt1"/>
-          </a:fontRef>
-        </p:style>
-        <p:txBody>
-          <a:bodyPr rtlCol="0" anchor="ctr"/>
-          <a:p>
-            <a:pPr algn="ctr">
-              <a:lnSpc>
-                <a:spcPct val="90000"/>
-              </a:lnSpc>
-            </a:pPr>
-            <a:r>
-              <a:rPr lang="en-US" altLang="zh-CN" sz="2800" b="1"/>
-              <a:t>+</a:t>
-            </a:r>
-            <a:endParaRPr lang="en-US" altLang="zh-CN" sz="2800" b="1"/>
-          </a:p>
-        </p:txBody>
-      </p:sp>
-      <p:sp>
-        <p:nvSpPr>
-          <p:cNvPr id="78" name="矩形 77"/>
-          <p:cNvSpPr/>
-          <p:nvPr/>
-        </p:nvSpPr>
-        <p:spPr>
-          <a:xfrm>
-            <a:off x="9102725" y="2266950"/>
-            <a:ext cx="621665" cy="176530"/>
-          </a:xfrm>
-          <a:prstGeom prst="rect">
+            <a:off x="9886950" y="4402455"/>
+            <a:ext cx="1574165" cy="336550"/>
+          </a:xfrm>
+          <a:prstGeom prst="roundRect">
             <a:avLst/>
           </a:prstGeom>
         </p:spPr>
@@ -5968,249 +6656,12 @@
           <a:p>
             <a:pPr algn="ctr"/>
             <a:r>
-              <a:rPr lang="en-US" altLang="zh-CN" sz="1000" b="1"/>
-              <a:t>Record</a:t>
-            </a:r>
-            <a:r>
-              <a:rPr lang="en-US" altLang="zh-CN" sz="1000" b="1" baseline="-25000"/>
-              <a:t>2</a:t>
-            </a:r>
-            <a:endParaRPr lang="en-US" altLang="zh-CN" sz="1000" b="1" baseline="-25000"/>
-          </a:p>
-        </p:txBody>
-      </p:sp>
-      <p:sp>
-        <p:nvSpPr>
-          <p:cNvPr id="79" name="矩形 78"/>
-          <p:cNvSpPr/>
-          <p:nvPr/>
-        </p:nvSpPr>
-        <p:spPr>
-          <a:xfrm>
-            <a:off x="10220960" y="2266950"/>
-            <a:ext cx="621665" cy="176530"/>
-          </a:xfrm>
-          <a:prstGeom prst="rect">
-            <a:avLst/>
-          </a:prstGeom>
-        </p:spPr>
-        <p:style>
-          <a:lnRef idx="2">
-            <a:schemeClr val="accent1">
-              <a:shade val="50000"/>
-            </a:schemeClr>
-          </a:lnRef>
-          <a:fillRef idx="1">
-            <a:schemeClr val="accent1"/>
-          </a:fillRef>
-          <a:effectRef idx="0">
-            <a:schemeClr val="accent1"/>
-          </a:effectRef>
-          <a:fontRef idx="minor">
-            <a:schemeClr val="lt1"/>
-          </a:fontRef>
-        </p:style>
-        <p:txBody>
-          <a:bodyPr rtlCol="0" anchor="ctr"/>
-          <a:p>
-            <a:pPr algn="ctr"/>
-            <a:r>
-              <a:rPr lang="en-US" altLang="zh-CN" sz="1000" b="1"/>
-              <a:t>Record</a:t>
-            </a:r>
-            <a:r>
-              <a:rPr lang="en-US" altLang="zh-CN" sz="1000" b="1" baseline="-25000"/>
-              <a:t>3</a:t>
-            </a:r>
-            <a:endParaRPr lang="en-US" altLang="zh-CN" sz="1000" b="1" baseline="-25000"/>
-          </a:p>
-        </p:txBody>
-      </p:sp>
-      <p:pic>
-        <p:nvPicPr>
-          <p:cNvPr id="86" name="图片 85"/>
-          <p:cNvPicPr>
-            <a:picLocks noChangeAspect="1"/>
-          </p:cNvPicPr>
-          <p:nvPr/>
-        </p:nvPicPr>
-        <p:blipFill>
-          <a:blip r:embed="rId10">
-            <a:clrChange>
-              <a:clrFrom>
-                <a:srgbClr val="3C3C3C">
-                  <a:alpha val="100000"/>
-                </a:srgbClr>
-              </a:clrFrom>
-              <a:clrTo>
-                <a:srgbClr val="3C3C3C">
-                  <a:alpha val="100000"/>
-                  <a:alpha val="0"/>
-                </a:srgbClr>
-              </a:clrTo>
-            </a:clrChange>
-          </a:blip>
-          <a:stretch>
-            <a:fillRect/>
-          </a:stretch>
-        </p:blipFill>
-        <p:spPr>
-          <a:xfrm>
-            <a:off x="3023870" y="3612515"/>
-            <a:ext cx="643890" cy="1236345"/>
-          </a:xfrm>
-          <a:prstGeom prst="rect">
-            <a:avLst/>
-          </a:prstGeom>
-          <a:noFill/>
-          <a:ln w="9525">
-            <a:noFill/>
-          </a:ln>
-        </p:spPr>
-      </p:pic>
-      <p:sp>
-        <p:nvSpPr>
-          <p:cNvPr id="25" name="燕尾形 24"/>
-          <p:cNvSpPr/>
-          <p:nvPr/>
-        </p:nvSpPr>
-        <p:spPr>
-          <a:xfrm flipH="1">
-            <a:off x="2019935" y="4989830"/>
-            <a:ext cx="2783840" cy="383540"/>
-          </a:xfrm>
-          <a:prstGeom prst="chevron">
-            <a:avLst/>
-          </a:prstGeom>
-        </p:spPr>
-        <p:style>
-          <a:lnRef idx="2">
-            <a:schemeClr val="accent1">
-              <a:shade val="50000"/>
-            </a:schemeClr>
-          </a:lnRef>
-          <a:fillRef idx="1">
-            <a:schemeClr val="accent1"/>
-          </a:fillRef>
-          <a:effectRef idx="0">
-            <a:schemeClr val="accent1"/>
-          </a:effectRef>
-          <a:fontRef idx="minor">
-            <a:schemeClr val="lt1"/>
-          </a:fontRef>
-        </p:style>
-        <p:txBody>
-          <a:bodyPr rtlCol="0" anchor="ctr"/>
-          <a:p>
-            <a:pPr algn="ctr">
-              <a:lnSpc>
-                <a:spcPct val="70000"/>
-              </a:lnSpc>
-              <a:buClrTx/>
-              <a:buSzTx/>
-              <a:buFontTx/>
-            </a:pPr>
-            <a:r>
-              <a:rPr lang="zh-CN" altLang="en-US" dirty="0">
+              <a:rPr lang="zh-CN" altLang="en-US">
                 <a:sym typeface="+mn-ea"/>
               </a:rPr>
-              <a:t>Binding skeleton</a:t>
-            </a:r>
-            <a:endParaRPr lang="zh-CN" altLang="en-US"/>
-          </a:p>
-        </p:txBody>
-      </p:sp>
-      <p:sp>
-        <p:nvSpPr>
-          <p:cNvPr id="35" name="椭圆 34"/>
-          <p:cNvSpPr/>
-          <p:nvPr/>
-        </p:nvSpPr>
-        <p:spPr>
-          <a:xfrm>
-            <a:off x="7320280" y="4157345"/>
-            <a:ext cx="321310" cy="212090"/>
-          </a:xfrm>
-          <a:prstGeom prst="ellipse">
-            <a:avLst/>
-          </a:prstGeom>
-        </p:spPr>
-        <p:style>
-          <a:lnRef idx="2">
-            <a:schemeClr val="accent2">
-              <a:shade val="50000"/>
-            </a:schemeClr>
-          </a:lnRef>
-          <a:fillRef idx="1">
-            <a:schemeClr val="accent2"/>
-          </a:fillRef>
-          <a:effectRef idx="0">
-            <a:schemeClr val="accent2"/>
-          </a:effectRef>
-          <a:fontRef idx="minor">
-            <a:schemeClr val="lt1"/>
-          </a:fontRef>
-        </p:style>
-        <p:txBody>
-          <a:bodyPr rtlCol="0" anchor="ctr"/>
-          <a:p>
-            <a:pPr algn="ctr">
-              <a:lnSpc>
-                <a:spcPct val="90000"/>
-              </a:lnSpc>
-            </a:pPr>
-            <a:r>
-              <a:rPr lang="en-US" altLang="zh-CN" sz="2800" b="1"/>
-              <a:t>+</a:t>
-            </a:r>
-            <a:endParaRPr lang="en-US" altLang="zh-CN" sz="2800" b="1"/>
-          </a:p>
-        </p:txBody>
-      </p:sp>
-      <p:sp>
-        <p:nvSpPr>
-          <p:cNvPr id="36" name="椭圆 35"/>
-          <p:cNvSpPr/>
-          <p:nvPr/>
-        </p:nvSpPr>
-        <p:spPr>
-          <a:xfrm>
-            <a:off x="2658110" y="4220845"/>
-            <a:ext cx="321310" cy="212090"/>
-          </a:xfrm>
-          <a:prstGeom prst="ellipse">
-            <a:avLst/>
-          </a:prstGeom>
-        </p:spPr>
-        <p:style>
-          <a:lnRef idx="2">
-            <a:schemeClr val="accent2">
-              <a:shade val="50000"/>
-            </a:schemeClr>
-          </a:lnRef>
-          <a:fillRef idx="1">
-            <a:schemeClr val="accent2"/>
-          </a:fillRef>
-          <a:effectRef idx="0">
-            <a:schemeClr val="accent2"/>
-          </a:effectRef>
-          <a:fontRef idx="minor">
-            <a:schemeClr val="lt1"/>
-          </a:fontRef>
-        </p:style>
-        <p:txBody>
-          <a:bodyPr rtlCol="0" anchor="ctr"/>
-          <a:p>
-            <a:pPr algn="ctr">
-              <a:lnSpc>
-                <a:spcPct val="90000"/>
-              </a:lnSpc>
-            </a:pPr>
-            <a:r>
-              <a:rPr lang="en-US" altLang="zh-CN" sz="2800" b="1"/>
-              <a:t>+</a:t>
-            </a:r>
-            <a:endParaRPr lang="en-US" altLang="zh-CN" sz="2800" b="1"/>
+              <a:t>计算过渡帧</a:t>
+            </a:r>
+            <a:endParaRPr lang="zh-CN" altLang="en-US"/>
           </a:p>
         </p:txBody>
       </p:sp>
@@ -6797,24 +7248,72 @@
         </p:blipFill>
         <p:spPr>
           <a:xfrm>
-            <a:off x="7814310" y="574675"/>
-            <a:ext cx="3365500" cy="2148205"/>
+            <a:off x="5027295" y="262255"/>
+            <a:ext cx="1336040" cy="852805"/>
           </a:xfrm>
           <a:prstGeom prst="rect">
             <a:avLst/>
           </a:prstGeom>
         </p:spPr>
       </p:pic>
-      <p:sp>
-        <p:nvSpPr>
-          <p:cNvPr id="7" name="右箭头 6"/>
+      <p:pic>
+        <p:nvPicPr>
+          <p:cNvPr id="9" name="图片 8"/>
+          <p:cNvPicPr>
+            <a:picLocks noChangeAspect="1"/>
+          </p:cNvPicPr>
+          <p:nvPr/>
+        </p:nvPicPr>
+        <p:blipFill>
+          <a:blip r:embed="rId7"/>
+          <a:stretch>
+            <a:fillRect/>
+          </a:stretch>
+        </p:blipFill>
+        <p:spPr>
+          <a:xfrm>
+            <a:off x="857885" y="1066800"/>
+            <a:ext cx="998855" cy="1346200"/>
+          </a:xfrm>
+          <a:prstGeom prst="rect">
+            <a:avLst/>
+          </a:prstGeom>
+        </p:spPr>
+      </p:pic>
+      <p:pic>
+        <p:nvPicPr>
+          <p:cNvPr id="10" name="图片 1" descr="骨骼"/>
+          <p:cNvPicPr>
+            <a:picLocks noChangeAspect="1"/>
+          </p:cNvPicPr>
+          <p:nvPr/>
+        </p:nvPicPr>
+        <p:blipFill>
+          <a:blip r:embed="rId8"/>
+          <a:stretch>
+            <a:fillRect/>
+          </a:stretch>
+        </p:blipFill>
+        <p:spPr>
+          <a:xfrm>
+            <a:off x="3712210" y="1032193"/>
+            <a:ext cx="748030" cy="1689735"/>
+          </a:xfrm>
+          <a:prstGeom prst="rect">
+            <a:avLst/>
+          </a:prstGeom>
+        </p:spPr>
+      </p:pic>
+      <p:sp>
+        <p:nvSpPr>
+          <p:cNvPr id="14" name="右箭头 13"/>
           <p:cNvSpPr/>
           <p:nvPr/>
         </p:nvSpPr>
         <p:spPr>
           <a:xfrm>
-            <a:off x="4177665" y="1412875"/>
-            <a:ext cx="1315085" cy="783590"/>
+            <a:off x="2026285" y="1350645"/>
+            <a:ext cx="1516380" cy="1053465"/>
           </a:xfrm>
           <a:prstGeom prst="rightArrow">
             <a:avLst/>
@@ -6839,9 +7338,9 @@
         <p:txBody>
           <a:bodyPr rtlCol="0" anchor="ctr"/>
           <a:p>
-            <a:pPr algn="ctr">
+            <a:pPr algn="ctr" fontAlgn="auto">
               <a:lnSpc>
-                <a:spcPct val="70000"/>
+                <a:spcPts val="2160"/>
               </a:lnSpc>
               <a:buClrTx/>
               <a:buSzTx/>
@@ -6851,7 +7350,7 @@
               <a:rPr lang="zh-CN" altLang="en-US" dirty="0">
                 <a:sym typeface="+mn-ea"/>
               </a:rPr>
-              <a:t>骨骼分析</a:t>
+              <a:t>骨骼的抽取与分析</a:t>
             </a:r>
             <a:endParaRPr lang="zh-CN" altLang="en-US" dirty="0">
               <a:sym typeface="+mn-ea"/>
@@ -6859,106 +7358,16 @@
           </a:p>
         </p:txBody>
       </p:sp>
-      <p:pic>
-        <p:nvPicPr>
-          <p:cNvPr id="9" name="图片 8"/>
-          <p:cNvPicPr>
-            <a:picLocks noChangeAspect="1"/>
-          </p:cNvPicPr>
-          <p:nvPr/>
-        </p:nvPicPr>
-        <p:blipFill>
-          <a:blip r:embed="rId7"/>
-          <a:stretch>
-            <a:fillRect/>
-          </a:stretch>
-        </p:blipFill>
-        <p:spPr>
-          <a:xfrm>
-            <a:off x="857885" y="1066800"/>
-            <a:ext cx="998855" cy="1346200"/>
-          </a:xfrm>
-          <a:prstGeom prst="rect">
-            <a:avLst/>
-          </a:prstGeom>
-        </p:spPr>
-      </p:pic>
-      <p:pic>
-        <p:nvPicPr>
-          <p:cNvPr id="10" name="图片 1" descr="骨骼"/>
-          <p:cNvPicPr>
-            <a:picLocks noChangeAspect="1"/>
-          </p:cNvPicPr>
-          <p:nvPr/>
-        </p:nvPicPr>
-        <p:blipFill>
-          <a:blip r:embed="rId8"/>
-          <a:stretch>
-            <a:fillRect/>
-          </a:stretch>
-        </p:blipFill>
-        <p:spPr>
-          <a:xfrm>
-            <a:off x="5603240" y="998538"/>
-            <a:ext cx="748030" cy="1689735"/>
-          </a:xfrm>
-          <a:prstGeom prst="rect">
-            <a:avLst/>
-          </a:prstGeom>
-        </p:spPr>
-      </p:pic>
-      <p:pic>
-        <p:nvPicPr>
-          <p:cNvPr id="12" name="图片 11"/>
-          <p:cNvPicPr>
-            <a:picLocks noChangeAspect="1"/>
-          </p:cNvPicPr>
-          <p:nvPr/>
-        </p:nvPicPr>
-        <p:blipFill>
-          <a:blip r:embed="rId9">
-            <a:clrChange>
-              <a:clrFrom>
-                <a:srgbClr val="3C3C3C">
-                  <a:alpha val="100000"/>
-                </a:srgbClr>
-              </a:clrFrom>
-              <a:clrTo>
-                <a:srgbClr val="3C3C3C">
-                  <a:alpha val="100000"/>
-                  <a:alpha val="0"/>
-                </a:srgbClr>
-              </a:clrTo>
-            </a:clrChange>
-          </a:blip>
-          <a:stretch>
-            <a:fillRect/>
-          </a:stretch>
-        </p:blipFill>
-        <p:spPr>
-          <a:xfrm>
-            <a:off x="3298190" y="1066800"/>
-            <a:ext cx="788035" cy="1621790"/>
-          </a:xfrm>
-          <a:prstGeom prst="rect">
-            <a:avLst/>
-          </a:prstGeom>
-          <a:noFill/>
-          <a:ln w="9525">
-            <a:noFill/>
-          </a:ln>
-        </p:spPr>
-      </p:pic>
-      <p:sp>
-        <p:nvSpPr>
-          <p:cNvPr id="14" name="右箭头 13"/>
+      <p:sp>
+        <p:nvSpPr>
+          <p:cNvPr id="15" name="右箭头 14"/>
           <p:cNvSpPr/>
           <p:nvPr/>
         </p:nvSpPr>
         <p:spPr>
           <a:xfrm>
-            <a:off x="1931670" y="1438275"/>
-            <a:ext cx="1337310" cy="758190"/>
+            <a:off x="4959350" y="1210945"/>
+            <a:ext cx="1821180" cy="504825"/>
           </a:xfrm>
           <a:prstGeom prst="rightArrow">
             <a:avLst/>
@@ -6983,9 +7392,9 @@
         <p:txBody>
           <a:bodyPr rtlCol="0" anchor="ctr"/>
           <a:p>
-            <a:pPr algn="ctr">
+            <a:pPr algn="ctr" fontAlgn="auto">
               <a:lnSpc>
-                <a:spcPct val="70000"/>
+                <a:spcPts val="2160"/>
               </a:lnSpc>
               <a:buClrTx/>
               <a:buSzTx/>
@@ -6995,7 +7404,7 @@
               <a:rPr lang="zh-CN" altLang="en-US" dirty="0">
                 <a:sym typeface="+mn-ea"/>
               </a:rPr>
-              <a:t>骨骼抽取</a:t>
+              <a:t>制作起始动作</a:t>
             </a:r>
             <a:endParaRPr lang="zh-CN" altLang="en-US" dirty="0">
               <a:sym typeface="+mn-ea"/>
@@ -7003,16 +7412,40 @@
           </a:p>
         </p:txBody>
       </p:sp>
-      <p:sp>
-        <p:nvSpPr>
-          <p:cNvPr id="15" name="右箭头 14"/>
+      <p:pic>
+        <p:nvPicPr>
+          <p:cNvPr id="6" name="图片 5"/>
+          <p:cNvPicPr>
+            <a:picLocks noChangeAspect="1"/>
+          </p:cNvPicPr>
+          <p:nvPr/>
+        </p:nvPicPr>
+        <p:blipFill>
+          <a:blip r:embed="rId6"/>
+          <a:stretch>
+            <a:fillRect/>
+          </a:stretch>
+        </p:blipFill>
+        <p:spPr>
+          <a:xfrm>
+            <a:off x="5126355" y="1869440"/>
+            <a:ext cx="1336040" cy="852805"/>
+          </a:xfrm>
+          <a:prstGeom prst="rect">
+            <a:avLst/>
+          </a:prstGeom>
+        </p:spPr>
+      </p:pic>
+      <p:sp>
+        <p:nvSpPr>
+          <p:cNvPr id="11" name="右箭头 10"/>
           <p:cNvSpPr/>
           <p:nvPr/>
         </p:nvSpPr>
         <p:spPr>
           <a:xfrm>
-            <a:off x="6462395" y="1485900"/>
-            <a:ext cx="1315085" cy="783590"/>
+            <a:off x="5086350" y="1337945"/>
+            <a:ext cx="1821180" cy="504825"/>
           </a:xfrm>
           <a:prstGeom prst="rightArrow">
             <a:avLst/>
@@ -7037,9 +7470,9 @@
         <p:txBody>
           <a:bodyPr rtlCol="0" anchor="ctr"/>
           <a:p>
-            <a:pPr algn="ctr">
+            <a:pPr algn="ctr" fontAlgn="auto">
               <a:lnSpc>
-                <a:spcPct val="70000"/>
+                <a:spcPts val="2160"/>
               </a:lnSpc>
               <a:buClrTx/>
               <a:buSzTx/>
@@ -7049,7 +7482,7 @@
               <a:rPr lang="zh-CN" altLang="en-US" dirty="0">
                 <a:sym typeface="+mn-ea"/>
               </a:rPr>
-              <a:t>动作制作</a:t>
+              <a:t>制作起始动作</a:t>
             </a:r>
             <a:endParaRPr lang="zh-CN" altLang="en-US" dirty="0">
               <a:sym typeface="+mn-ea"/>
